--- a/documents/Jonathan Almawi Python Web Scrapper Tutorial Powerpoint.pptx
+++ b/documents/Jonathan Almawi Python Web Scrapper Tutorial Powerpoint.pptx
@@ -18,50 +18,42 @@
     <p:sldId id="262" r:id="rId12"/>
     <p:sldId id="291" r:id="rId13"/>
     <p:sldId id="263" r:id="rId14"/>
-    <p:sldId id="292" r:id="rId15"/>
-    <p:sldId id="264" r:id="rId16"/>
-    <p:sldId id="293" r:id="rId17"/>
-    <p:sldId id="265" r:id="rId18"/>
-    <p:sldId id="294" r:id="rId19"/>
-    <p:sldId id="266" r:id="rId20"/>
-    <p:sldId id="295" r:id="rId21"/>
-    <p:sldId id="268" r:id="rId22"/>
-    <p:sldId id="296" r:id="rId23"/>
-    <p:sldId id="267" r:id="rId24"/>
-    <p:sldId id="297" r:id="rId25"/>
-    <p:sldId id="269" r:id="rId26"/>
-    <p:sldId id="298" r:id="rId27"/>
-    <p:sldId id="270" r:id="rId28"/>
-    <p:sldId id="299" r:id="rId29"/>
-    <p:sldId id="271" r:id="rId30"/>
-    <p:sldId id="300" r:id="rId31"/>
-    <p:sldId id="275" r:id="rId32"/>
-    <p:sldId id="301" r:id="rId33"/>
-    <p:sldId id="276" r:id="rId34"/>
-    <p:sldId id="302" r:id="rId35"/>
-    <p:sldId id="274" r:id="rId36"/>
-    <p:sldId id="303" r:id="rId37"/>
-    <p:sldId id="272" r:id="rId38"/>
-    <p:sldId id="304" r:id="rId39"/>
-    <p:sldId id="273" r:id="rId40"/>
-    <p:sldId id="305" r:id="rId41"/>
-    <p:sldId id="277" r:id="rId42"/>
-    <p:sldId id="306" r:id="rId43"/>
-    <p:sldId id="278" r:id="rId44"/>
-    <p:sldId id="307" r:id="rId45"/>
-    <p:sldId id="280" r:id="rId46"/>
-    <p:sldId id="308" r:id="rId47"/>
-    <p:sldId id="281" r:id="rId48"/>
-    <p:sldId id="309" r:id="rId49"/>
-    <p:sldId id="282" r:id="rId50"/>
-    <p:sldId id="310" r:id="rId51"/>
-    <p:sldId id="283" r:id="rId52"/>
-    <p:sldId id="311" r:id="rId53"/>
-    <p:sldId id="284" r:id="rId54"/>
-    <p:sldId id="312" r:id="rId55"/>
-    <p:sldId id="285" r:id="rId56"/>
-    <p:sldId id="313" r:id="rId57"/>
-    <p:sldId id="286" r:id="rId58"/>
+    <p:sldId id="295" r:id="rId15"/>
+    <p:sldId id="268" r:id="rId16"/>
+    <p:sldId id="296" r:id="rId17"/>
+    <p:sldId id="267" r:id="rId18"/>
+    <p:sldId id="298" r:id="rId19"/>
+    <p:sldId id="270" r:id="rId20"/>
+    <p:sldId id="299" r:id="rId21"/>
+    <p:sldId id="271" r:id="rId22"/>
+    <p:sldId id="300" r:id="rId23"/>
+    <p:sldId id="275" r:id="rId24"/>
+    <p:sldId id="301" r:id="rId25"/>
+    <p:sldId id="276" r:id="rId26"/>
+    <p:sldId id="302" r:id="rId27"/>
+    <p:sldId id="274" r:id="rId28"/>
+    <p:sldId id="303" r:id="rId29"/>
+    <p:sldId id="272" r:id="rId30"/>
+    <p:sldId id="304" r:id="rId31"/>
+    <p:sldId id="273" r:id="rId32"/>
+    <p:sldId id="305" r:id="rId33"/>
+    <p:sldId id="277" r:id="rId34"/>
+    <p:sldId id="306" r:id="rId35"/>
+    <p:sldId id="278" r:id="rId36"/>
+    <p:sldId id="307" r:id="rId37"/>
+    <p:sldId id="280" r:id="rId38"/>
+    <p:sldId id="308" r:id="rId39"/>
+    <p:sldId id="281" r:id="rId40"/>
+    <p:sldId id="309" r:id="rId41"/>
+    <p:sldId id="282" r:id="rId42"/>
+    <p:sldId id="310" r:id="rId43"/>
+    <p:sldId id="283" r:id="rId44"/>
+    <p:sldId id="311" r:id="rId45"/>
+    <p:sldId id="284" r:id="rId46"/>
+    <p:sldId id="312" r:id="rId47"/>
+    <p:sldId id="285" r:id="rId48"/>
+    <p:sldId id="313" r:id="rId49"/>
+    <p:sldId id="286" r:id="rId50"/>
   </p:sldIdLst>
   <p:sldSz cx="12192000" cy="6858000"/>
   <p:notesSz cx="6858000" cy="9144000"/>
@@ -815,7 +807,7 @@
             <a:fld id="{1E700B27-DE4C-4B9E-BB11-B9027034A00F}" type="datetimeFigureOut">
               <a:rPr lang="en-US" dirty="0"/>
               <a:pPr/>
-              <a:t>2/19/2020</a:t>
+              <a:t>2/23/2020</a:t>
             </a:fld>
             <a:endParaRPr lang="en-US" dirty="0"/>
           </a:p>
@@ -1931,7 +1923,7 @@
           <a:p>
             <a:fld id="{C40F4739-9812-4A9F-890D-2AD6BA5F6EE8}" type="datetimeFigureOut">
               <a:rPr lang="en-US" dirty="0"/>
-              <a:t>2/19/2020</a:t>
+              <a:t>2/23/2020</a:t>
             </a:fld>
             <a:endParaRPr lang="en-US" dirty="0"/>
           </a:p>
@@ -2938,7 +2930,7 @@
           <a:p>
             <a:fld id="{18845AC5-A3F8-44AA-BA8F-596CDCC976D3}" type="datetimeFigureOut">
               <a:rPr lang="en-US" dirty="0"/>
-              <a:t>2/19/2020</a:t>
+              <a:t>2/23/2020</a:t>
             </a:fld>
             <a:endParaRPr lang="en-US" dirty="0"/>
           </a:p>
@@ -4104,7 +4096,7 @@
           <a:p>
             <a:fld id="{C873B183-A821-4095-A363-9EC968635539}" type="datetimeFigureOut">
               <a:rPr lang="en-US" dirty="0"/>
-              <a:t>2/19/2020</a:t>
+              <a:t>2/23/2020</a:t>
             </a:fld>
             <a:endParaRPr lang="en-US" dirty="0"/>
           </a:p>
@@ -5161,7 +5153,7 @@
           <a:p>
             <a:fld id="{174D01B4-0AA5-45E6-B2E6-5FA4078AEBCF}" type="datetimeFigureOut">
               <a:rPr lang="en-US" dirty="0"/>
-              <a:t>2/19/2020</a:t>
+              <a:t>2/23/2020</a:t>
             </a:fld>
             <a:endParaRPr lang="en-US" dirty="0"/>
           </a:p>
@@ -5803,7 +5795,7 @@
           <a:p>
             <a:fld id="{4147335C-0450-40D7-8612-B3203BED4F28}" type="datetimeFigureOut">
               <a:rPr lang="en-US" dirty="0"/>
-              <a:t>2/19/2020</a:t>
+              <a:t>2/23/2020</a:t>
             </a:fld>
             <a:endParaRPr lang="en-US" dirty="0"/>
           </a:p>
@@ -6646,7 +6638,7 @@
           <a:p>
             <a:fld id="{D246A105-2A1C-4284-B4EA-07CF89B1A393}" type="datetimeFigureOut">
               <a:rPr lang="en-US" dirty="0"/>
-              <a:t>2/19/2020</a:t>
+              <a:t>2/23/2020</a:t>
             </a:fld>
             <a:endParaRPr lang="en-US" dirty="0"/>
           </a:p>
@@ -6817,7 +6809,7 @@
           <a:p>
             <a:fld id="{80DBE609-F3F2-45E6-BD6A-E03A8C86C1AE}" type="datetimeFigureOut">
               <a:rPr lang="en-US" dirty="0"/>
-              <a:t>2/19/2020</a:t>
+              <a:t>2/23/2020</a:t>
             </a:fld>
             <a:endParaRPr lang="en-US" dirty="0"/>
           </a:p>
@@ -7811,7 +7803,7 @@
           <a:p>
             <a:fld id="{7A24AD68-089C-4467-A8F3-EA2BBCA6B44E}" type="datetimeFigureOut">
               <a:rPr lang="en-US" dirty="0"/>
-              <a:t>2/19/2020</a:t>
+              <a:t>2/23/2020</a:t>
             </a:fld>
             <a:endParaRPr lang="en-US" dirty="0"/>
           </a:p>
@@ -8272,7 +8264,7 @@
             <a:fld id="{1E700B27-DE4C-4B9E-BB11-B9027034A00F}" type="datetimeFigureOut">
               <a:rPr lang="en-US" smtClean="0"/>
               <a:pPr/>
-              <a:t>2/19/2020</a:t>
+              <a:t>2/23/2020</a:t>
             </a:fld>
             <a:endParaRPr lang="en-US" dirty="0"/>
           </a:p>
@@ -8515,7 +8507,7 @@
           <a:p>
             <a:fld id="{75C51FCE-E4BB-4680-8E50-3C0E348D2609}" type="datetimeFigureOut">
               <a:rPr lang="en-US" smtClean="0"/>
-              <a:t>2/19/2020</a:t>
+              <a:t>2/23/2020</a:t>
             </a:fld>
             <a:endParaRPr lang="en-US" dirty="0"/>
           </a:p>
@@ -8686,7 +8678,7 @@
           <a:p>
             <a:fld id="{75C51FCE-E4BB-4680-8E50-3C0E348D2609}" type="datetimeFigureOut">
               <a:rPr lang="en-US" dirty="0"/>
-              <a:t>2/19/2020</a:t>
+              <a:t>2/23/2020</a:t>
             </a:fld>
             <a:endParaRPr lang="en-US" dirty="0"/>
           </a:p>
@@ -9173,7 +9165,7 @@
           <a:p>
             <a:fld id="{8AAA073D-A903-47F8-8D16-77642FB0DF1F}" type="datetimeFigureOut">
               <a:rPr lang="en-US" smtClean="0"/>
-              <a:t>2/19/2020</a:t>
+              <a:t>2/23/2020</a:t>
             </a:fld>
             <a:endParaRPr lang="en-US" dirty="0"/>
           </a:p>
@@ -9484,7 +9476,7 @@
           <a:p>
             <a:fld id="{AB91FA40-626B-4CA1-85D0-7A9016E395BA}" type="datetimeFigureOut">
               <a:rPr lang="en-US" smtClean="0"/>
-              <a:t>2/19/2020</a:t>
+              <a:t>2/23/2020</a:t>
             </a:fld>
             <a:endParaRPr lang="en-US" dirty="0"/>
           </a:p>
@@ -9876,7 +9868,7 @@
           <a:p>
             <a:fld id="{C3F425EA-B9DC-48A7-991E-9A82573B1B21}" type="datetimeFigureOut">
               <a:rPr lang="en-US" smtClean="0"/>
-              <a:t>2/19/2020</a:t>
+              <a:t>2/23/2020</a:t>
             </a:fld>
             <a:endParaRPr lang="en-US" dirty="0"/>
           </a:p>
@@ -9995,7 +9987,7 @@
           <a:p>
             <a:fld id="{66CB97F8-6CEB-469B-AFCC-889F2A2B1D5A}" type="datetimeFigureOut">
               <a:rPr lang="en-US" smtClean="0"/>
-              <a:t>2/19/2020</a:t>
+              <a:t>2/23/2020</a:t>
             </a:fld>
             <a:endParaRPr lang="en-US" dirty="0"/>
           </a:p>
@@ -10091,7 +10083,7 @@
           <a:p>
             <a:fld id="{8FA9179F-009E-4FA5-B091-7EBB82A185BD}" type="datetimeFigureOut">
               <a:rPr lang="en-US" smtClean="0"/>
-              <a:t>2/19/2020</a:t>
+              <a:t>2/23/2020</a:t>
             </a:fld>
             <a:endParaRPr lang="en-US" dirty="0"/>
           </a:p>
@@ -10392,7 +10384,7 @@
           <a:p>
             <a:fld id="{8E665CEB-0076-4E37-B880-BCEA9784DE0A}" type="datetimeFigureOut">
               <a:rPr lang="en-US" smtClean="0"/>
-              <a:t>2/19/2020</a:t>
+              <a:t>2/23/2020</a:t>
             </a:fld>
             <a:endParaRPr lang="en-US" dirty="0"/>
           </a:p>
@@ -10658,7 +10650,7 @@
           <a:p>
             <a:fld id="{A6149E5E-3896-4118-99A7-7B85668F1C5E}" type="datetimeFigureOut">
               <a:rPr lang="en-US" smtClean="0"/>
-              <a:t>2/19/2020</a:t>
+              <a:t>2/23/2020</a:t>
             </a:fld>
             <a:endParaRPr lang="en-US" dirty="0"/>
           </a:p>
@@ -10834,7 +10826,7 @@
           <a:p>
             <a:fld id="{80DBE609-F3F2-45E6-BD6A-E03A8C86C1AE}" type="datetimeFigureOut">
               <a:rPr lang="en-US" smtClean="0"/>
-              <a:t>2/19/2020</a:t>
+              <a:t>2/23/2020</a:t>
             </a:fld>
             <a:endParaRPr lang="en-US" dirty="0"/>
           </a:p>
@@ -11221,7 +11213,7 @@
           <a:p>
             <a:fld id="{7A24AD68-089C-4467-A8F3-EA2BBCA6B44E}" type="datetimeFigureOut">
               <a:rPr lang="en-US" smtClean="0"/>
-              <a:t>2/19/2020</a:t>
+              <a:t>2/23/2020</a:t>
             </a:fld>
             <a:endParaRPr lang="en-US" dirty="0"/>
           </a:p>
@@ -12343,7 +12335,7 @@
           <a:p>
             <a:fld id="{8AAA073D-A903-47F8-8D16-77642FB0DF1F}" type="datetimeFigureOut">
               <a:rPr lang="en-US" dirty="0"/>
-              <a:t>2/19/2020</a:t>
+              <a:t>2/23/2020</a:t>
             </a:fld>
             <a:endParaRPr lang="en-US" dirty="0"/>
           </a:p>
@@ -12611,7 +12603,7 @@
           <a:p>
             <a:fld id="{AB91FA40-626B-4CA1-85D0-7A9016E395BA}" type="datetimeFigureOut">
               <a:rPr lang="en-US" dirty="0"/>
-              <a:t>2/19/2020</a:t>
+              <a:t>2/23/2020</a:t>
             </a:fld>
             <a:endParaRPr lang="en-US" dirty="0"/>
           </a:p>
@@ -12989,7 +12981,7 @@
           <a:p>
             <a:fld id="{C3F425EA-B9DC-48A7-991E-9A82573B1B21}" type="datetimeFigureOut">
               <a:rPr lang="en-US" dirty="0"/>
-              <a:t>2/19/2020</a:t>
+              <a:t>2/23/2020</a:t>
             </a:fld>
             <a:endParaRPr lang="en-US" dirty="0"/>
           </a:p>
@@ -13103,7 +13095,7 @@
           <a:p>
             <a:fld id="{66CB97F8-6CEB-469B-AFCC-889F2A2B1D5A}" type="datetimeFigureOut">
               <a:rPr lang="en-US" dirty="0"/>
-              <a:t>2/19/2020</a:t>
+              <a:t>2/23/2020</a:t>
             </a:fld>
             <a:endParaRPr lang="en-US" dirty="0"/>
           </a:p>
@@ -13194,7 +13186,7 @@
           <a:p>
             <a:fld id="{8FA9179F-009E-4FA5-B091-7EBB82A185BD}" type="datetimeFigureOut">
               <a:rPr lang="en-US" dirty="0"/>
-              <a:t>2/19/2020</a:t>
+              <a:t>2/23/2020</a:t>
             </a:fld>
             <a:endParaRPr lang="en-US" dirty="0"/>
           </a:p>
@@ -14299,7 +14291,7 @@
           <a:p>
             <a:fld id="{8E665CEB-0076-4E37-B880-BCEA9784DE0A}" type="datetimeFigureOut">
               <a:rPr lang="en-US" dirty="0"/>
-              <a:t>2/19/2020</a:t>
+              <a:t>2/23/2020</a:t>
             </a:fld>
             <a:endParaRPr lang="en-US" dirty="0"/>
           </a:p>
@@ -15428,7 +15420,7 @@
           <a:p>
             <a:fld id="{A6149E5E-3896-4118-99A7-7B85668F1C5E}" type="datetimeFigureOut">
               <a:rPr lang="en-US" dirty="0"/>
-              <a:t>2/19/2020</a:t>
+              <a:t>2/23/2020</a:t>
             </a:fld>
             <a:endParaRPr lang="en-US" dirty="0"/>
           </a:p>
@@ -16455,7 +16447,7 @@
           <a:p>
             <a:fld id="{7E0D914D-B099-4142-A885-11F276715148}" type="datetimeFigureOut">
               <a:rPr lang="en-US" dirty="0"/>
-              <a:t>2/19/2020</a:t>
+              <a:t>2/23/2020</a:t>
             </a:fld>
             <a:endParaRPr lang="en-US" dirty="0"/>
           </a:p>
@@ -17353,7 +17345,7 @@
           <a:p>
             <a:fld id="{7E0D914D-B099-4142-A885-11F276715148}" type="datetimeFigureOut">
               <a:rPr lang="en-US" smtClean="0"/>
-              <a:t>2/19/2020</a:t>
+              <a:t>2/23/2020</a:t>
             </a:fld>
             <a:endParaRPr lang="en-US" dirty="0"/>
           </a:p>
@@ -18192,7 +18184,7 @@
     </p:spTree>
     <p:extLst>
       <p:ext uri="{BB962C8B-B14F-4D97-AF65-F5344CB8AC3E}">
-        <p14:creationId xmlns:p14="http://schemas.microsoft.com/office/powerpoint/2010/main" val="2221672956"/>
+        <p14:creationId xmlns:p14="http://schemas.microsoft.com/office/powerpoint/2010/main" val="2717390618"/>
       </p:ext>
     </p:extLst>
   </p:cSld>
@@ -18274,7 +18266,7 @@
           <p:cNvPr id="3" name="Picture 2">
             <a:extLst>
               <a:ext uri="{FF2B5EF4-FFF2-40B4-BE49-F238E27FC236}">
-                <a16:creationId xmlns:a16="http://schemas.microsoft.com/office/drawing/2014/main" id="{B942034B-1D6D-407F-9F0C-4C5915C09C04}"/>
+                <a16:creationId xmlns:a16="http://schemas.microsoft.com/office/drawing/2014/main" id="{218736F0-C62B-43EB-AB5F-8241C253FC67}"/>
               </a:ext>
             </a:extLst>
           </p:cNvPr>
@@ -18291,8 +18283,8 @@
         </p:blipFill>
         <p:spPr>
           <a:xfrm>
-            <a:off x="2371725" y="1195387"/>
-            <a:ext cx="7448550" cy="4467225"/>
+            <a:off x="966467" y="1934818"/>
+            <a:ext cx="9783945" cy="2022820"/>
           </a:xfrm>
           <a:prstGeom prst="rect">
             <a:avLst/>
@@ -18302,7 +18294,7 @@
     </p:spTree>
     <p:extLst>
       <p:ext uri="{BB962C8B-B14F-4D97-AF65-F5344CB8AC3E}">
-        <p14:creationId xmlns:p14="http://schemas.microsoft.com/office/powerpoint/2010/main" val="2102828076"/>
+        <p14:creationId xmlns:p14="http://schemas.microsoft.com/office/powerpoint/2010/main" val="2535686760"/>
       </p:ext>
     </p:extLst>
   </p:cSld>
@@ -18340,7 +18332,7 @@
     </p:spTree>
     <p:extLst>
       <p:ext uri="{BB962C8B-B14F-4D97-AF65-F5344CB8AC3E}">
-        <p14:creationId xmlns:p14="http://schemas.microsoft.com/office/powerpoint/2010/main" val="4147943201"/>
+        <p14:creationId xmlns:p14="http://schemas.microsoft.com/office/powerpoint/2010/main" val="2900678602"/>
       </p:ext>
     </p:extLst>
   </p:cSld>
@@ -18392,44 +18384,21 @@
           </a:p>
         </p:txBody>
       </p:sp>
-      <p:sp>
-        <p:nvSpPr>
-          <p:cNvPr id="5" name="Content Placeholder 4">
+      <p:pic>
+        <p:nvPicPr>
+          <p:cNvPr id="6" name="Content Placeholder 5">
             <a:extLst>
               <a:ext uri="{FF2B5EF4-FFF2-40B4-BE49-F238E27FC236}">
-                <a16:creationId xmlns:a16="http://schemas.microsoft.com/office/drawing/2014/main" id="{ECFB1E53-78E0-4CCD-B356-E5EF0245AB5D}"/>
-              </a:ext>
-            </a:extLst>
-          </p:cNvPr>
-          <p:cNvSpPr>
-            <a:spLocks noGrp="1"/>
-          </p:cNvSpPr>
-          <p:nvPr>
-            <p:ph idx="1"/>
-          </p:nvPr>
-        </p:nvSpPr>
-        <p:spPr/>
-        <p:txBody>
-          <a:bodyPr/>
-          <a:lstStyle/>
-          <a:p>
-            <a:endParaRPr lang="en-US"/>
-          </a:p>
-        </p:txBody>
-      </p:sp>
-      <p:pic>
-        <p:nvPicPr>
-          <p:cNvPr id="3" name="Picture 2">
-            <a:extLst>
-              <a:ext uri="{FF2B5EF4-FFF2-40B4-BE49-F238E27FC236}">
-                <a16:creationId xmlns:a16="http://schemas.microsoft.com/office/drawing/2014/main" id="{B942034B-1D6D-407F-9F0C-4C5915C09C04}"/>
+                <a16:creationId xmlns:a16="http://schemas.microsoft.com/office/drawing/2014/main" id="{E01B62F4-6DA1-4E5D-AA7E-E68DC77687E7}"/>
               </a:ext>
             </a:extLst>
           </p:cNvPr>
           <p:cNvPicPr>
-            <a:picLocks noChangeAspect="1"/>
+            <a:picLocks noGrp="1" noChangeAspect="1"/>
           </p:cNvPicPr>
-          <p:nvPr/>
+          <p:nvPr>
+            <p:ph idx="1"/>
+          </p:nvPr>
         </p:nvPicPr>
         <p:blipFill>
           <a:blip r:embed="rId2"/>
@@ -18439,38 +18408,8 @@
         </p:blipFill>
         <p:spPr>
           <a:xfrm>
-            <a:off x="2371725" y="1195387"/>
-            <a:ext cx="7448550" cy="4467225"/>
-          </a:xfrm>
-          <a:prstGeom prst="rect">
-            <a:avLst/>
-          </a:prstGeom>
-        </p:spPr>
-      </p:pic>
-      <p:pic>
-        <p:nvPicPr>
-          <p:cNvPr id="4" name="Picture 3">
-            <a:extLst>
-              <a:ext uri="{FF2B5EF4-FFF2-40B4-BE49-F238E27FC236}">
-                <a16:creationId xmlns:a16="http://schemas.microsoft.com/office/drawing/2014/main" id="{3416818C-BEDF-42A1-8C71-A04C4D2980FF}"/>
-              </a:ext>
-            </a:extLst>
-          </p:cNvPr>
-          <p:cNvPicPr>
-            <a:picLocks noChangeAspect="1"/>
-          </p:cNvPicPr>
-          <p:nvPr/>
-        </p:nvPicPr>
-        <p:blipFill>
-          <a:blip r:embed="rId3"/>
-          <a:stretch>
-            <a:fillRect/>
-          </a:stretch>
-        </p:blipFill>
-        <p:spPr>
-          <a:xfrm>
-            <a:off x="4090987" y="2033587"/>
-            <a:ext cx="4010025" cy="2790825"/>
+            <a:off x="591743" y="678958"/>
+            <a:ext cx="10564011" cy="5500083"/>
           </a:xfrm>
           <a:prstGeom prst="rect">
             <a:avLst/>
@@ -18480,7 +18419,7 @@
     </p:spTree>
     <p:extLst>
       <p:ext uri="{BB962C8B-B14F-4D97-AF65-F5344CB8AC3E}">
-        <p14:creationId xmlns:p14="http://schemas.microsoft.com/office/powerpoint/2010/main" val="3843797537"/>
+        <p14:creationId xmlns:p14="http://schemas.microsoft.com/office/powerpoint/2010/main" val="3996856080"/>
       </p:ext>
     </p:extLst>
   </p:cSld>
@@ -18518,7 +18457,7 @@
     </p:spTree>
     <p:extLst>
       <p:ext uri="{BB962C8B-B14F-4D97-AF65-F5344CB8AC3E}">
-        <p14:creationId xmlns:p14="http://schemas.microsoft.com/office/powerpoint/2010/main" val="614928621"/>
+        <p14:creationId xmlns:p14="http://schemas.microsoft.com/office/powerpoint/2010/main" val="2783473738"/>
       </p:ext>
     </p:extLst>
   </p:cSld>
@@ -18572,10 +18511,10 @@
       </p:sp>
       <p:sp>
         <p:nvSpPr>
-          <p:cNvPr id="5" name="Content Placeholder 4">
+          <p:cNvPr id="8" name="Content Placeholder 7">
             <a:extLst>
               <a:ext uri="{FF2B5EF4-FFF2-40B4-BE49-F238E27FC236}">
-                <a16:creationId xmlns:a16="http://schemas.microsoft.com/office/drawing/2014/main" id="{ECFB1E53-78E0-4CCD-B356-E5EF0245AB5D}"/>
+                <a16:creationId xmlns:a16="http://schemas.microsoft.com/office/drawing/2014/main" id="{E05AD2F5-2061-46FE-BC27-22E54EFBA2D7}"/>
               </a:ext>
             </a:extLst>
           </p:cNvPr>
@@ -18597,10 +18536,10 @@
       </p:sp>
       <p:pic>
         <p:nvPicPr>
-          <p:cNvPr id="4" name="Picture 3">
+          <p:cNvPr id="9" name="Picture 8">
             <a:extLst>
               <a:ext uri="{FF2B5EF4-FFF2-40B4-BE49-F238E27FC236}">
-                <a16:creationId xmlns:a16="http://schemas.microsoft.com/office/drawing/2014/main" id="{3416818C-BEDF-42A1-8C71-A04C4D2980FF}"/>
+                <a16:creationId xmlns:a16="http://schemas.microsoft.com/office/drawing/2014/main" id="{3BD5AD52-F6F1-464D-A968-5A953CB7D1B6}"/>
               </a:ext>
             </a:extLst>
           </p:cNvPr>
@@ -18617,8 +18556,8 @@
         </p:blipFill>
         <p:spPr>
           <a:xfrm>
-            <a:off x="2633441" y="1500665"/>
-            <a:ext cx="6298716" cy="4383667"/>
+            <a:off x="3040230" y="317582"/>
+            <a:ext cx="5376749" cy="5702218"/>
           </a:xfrm>
           <a:prstGeom prst="rect">
             <a:avLst/>
@@ -18628,7 +18567,7 @@
     </p:spTree>
     <p:extLst>
       <p:ext uri="{BB962C8B-B14F-4D97-AF65-F5344CB8AC3E}">
-        <p14:creationId xmlns:p14="http://schemas.microsoft.com/office/powerpoint/2010/main" val="1938233090"/>
+        <p14:creationId xmlns:p14="http://schemas.microsoft.com/office/powerpoint/2010/main" val="3196426974"/>
       </p:ext>
     </p:extLst>
   </p:cSld>
@@ -18666,7 +18605,7 @@
     </p:spTree>
     <p:extLst>
       <p:ext uri="{BB962C8B-B14F-4D97-AF65-F5344CB8AC3E}">
-        <p14:creationId xmlns:p14="http://schemas.microsoft.com/office/powerpoint/2010/main" val="2717390618"/>
+        <p14:creationId xmlns:p14="http://schemas.microsoft.com/office/powerpoint/2010/main" val="3495988656"/>
       </p:ext>
     </p:extLst>
   </p:cSld>
@@ -18810,575 +18749,6 @@
           <p:cNvPr id="5" name="Content Placeholder 4">
             <a:extLst>
               <a:ext uri="{FF2B5EF4-FFF2-40B4-BE49-F238E27FC236}">
-                <a16:creationId xmlns:a16="http://schemas.microsoft.com/office/drawing/2014/main" id="{ECFB1E53-78E0-4CCD-B356-E5EF0245AB5D}"/>
-              </a:ext>
-            </a:extLst>
-          </p:cNvPr>
-          <p:cNvSpPr>
-            <a:spLocks noGrp="1"/>
-          </p:cNvSpPr>
-          <p:nvPr>
-            <p:ph idx="1"/>
-          </p:nvPr>
-        </p:nvSpPr>
-        <p:spPr/>
-        <p:txBody>
-          <a:bodyPr/>
-          <a:lstStyle/>
-          <a:p>
-            <a:endParaRPr lang="en-US"/>
-          </a:p>
-        </p:txBody>
-      </p:sp>
-      <p:pic>
-        <p:nvPicPr>
-          <p:cNvPr id="3" name="Picture 2">
-            <a:extLst>
-              <a:ext uri="{FF2B5EF4-FFF2-40B4-BE49-F238E27FC236}">
-                <a16:creationId xmlns:a16="http://schemas.microsoft.com/office/drawing/2014/main" id="{218736F0-C62B-43EB-AB5F-8241C253FC67}"/>
-              </a:ext>
-            </a:extLst>
-          </p:cNvPr>
-          <p:cNvPicPr>
-            <a:picLocks noChangeAspect="1"/>
-          </p:cNvPicPr>
-          <p:nvPr/>
-        </p:nvPicPr>
-        <p:blipFill>
-          <a:blip r:embed="rId2"/>
-          <a:stretch>
-            <a:fillRect/>
-          </a:stretch>
-        </p:blipFill>
-        <p:spPr>
-          <a:xfrm>
-            <a:off x="966467" y="1934818"/>
-            <a:ext cx="9783945" cy="2022820"/>
-          </a:xfrm>
-          <a:prstGeom prst="rect">
-            <a:avLst/>
-          </a:prstGeom>
-        </p:spPr>
-      </p:pic>
-    </p:spTree>
-    <p:extLst>
-      <p:ext uri="{BB962C8B-B14F-4D97-AF65-F5344CB8AC3E}">
-        <p14:creationId xmlns:p14="http://schemas.microsoft.com/office/powerpoint/2010/main" val="2535686760"/>
-      </p:ext>
-    </p:extLst>
-  </p:cSld>
-  <p:clrMapOvr>
-    <a:masterClrMapping/>
-  </p:clrMapOvr>
-</p:sld>
-</file>
-
-<file path=ppt/slides/slide21.xml><?xml version="1.0" encoding="utf-8"?>
-<p:sld xmlns:a="http://schemas.openxmlformats.org/drawingml/2006/main" xmlns:r="http://schemas.openxmlformats.org/officeDocument/2006/relationships" xmlns:p="http://schemas.openxmlformats.org/presentationml/2006/main">
-  <p:cSld>
-    <p:bg>
-      <p:bgPr>
-        <a:solidFill>
-          <a:schemeClr val="tx1"/>
-        </a:solidFill>
-        <a:effectLst/>
-      </p:bgPr>
-    </p:bg>
-    <p:spTree>
-      <p:nvGrpSpPr>
-        <p:cNvPr id="1" name=""/>
-        <p:cNvGrpSpPr/>
-        <p:nvPr/>
-      </p:nvGrpSpPr>
-      <p:grpSpPr>
-        <a:xfrm>
-          <a:off x="0" y="0"/>
-          <a:ext cx="0" cy="0"/>
-          <a:chOff x="0" y="0"/>
-          <a:chExt cx="0" cy="0"/>
-        </a:xfrm>
-      </p:grpSpPr>
-    </p:spTree>
-    <p:extLst>
-      <p:ext uri="{BB962C8B-B14F-4D97-AF65-F5344CB8AC3E}">
-        <p14:creationId xmlns:p14="http://schemas.microsoft.com/office/powerpoint/2010/main" val="2900678602"/>
-      </p:ext>
-    </p:extLst>
-  </p:cSld>
-  <p:clrMapOvr>
-    <a:masterClrMapping/>
-  </p:clrMapOvr>
-</p:sld>
-</file>
-
-<file path=ppt/slides/slide22.xml><?xml version="1.0" encoding="utf-8"?>
-<p:sld xmlns:a="http://schemas.openxmlformats.org/drawingml/2006/main" xmlns:r="http://schemas.openxmlformats.org/officeDocument/2006/relationships" xmlns:p="http://schemas.openxmlformats.org/presentationml/2006/main">
-  <p:cSld>
-    <p:spTree>
-      <p:nvGrpSpPr>
-        <p:cNvPr id="1" name=""/>
-        <p:cNvGrpSpPr/>
-        <p:nvPr/>
-      </p:nvGrpSpPr>
-      <p:grpSpPr>
-        <a:xfrm>
-          <a:off x="0" y="0"/>
-          <a:ext cx="0" cy="0"/>
-          <a:chOff x="0" y="0"/>
-          <a:chExt cx="0" cy="0"/>
-        </a:xfrm>
-      </p:grpSpPr>
-      <p:sp>
-        <p:nvSpPr>
-          <p:cNvPr id="2" name="Title 1">
-            <a:extLst>
-              <a:ext uri="{FF2B5EF4-FFF2-40B4-BE49-F238E27FC236}">
-                <a16:creationId xmlns:a16="http://schemas.microsoft.com/office/drawing/2014/main" id="{A26DF1FD-B8A9-4478-AA35-3449A8C9A665}"/>
-              </a:ext>
-            </a:extLst>
-          </p:cNvPr>
-          <p:cNvSpPr>
-            <a:spLocks noGrp="1"/>
-          </p:cNvSpPr>
-          <p:nvPr>
-            <p:ph type="title"/>
-          </p:nvPr>
-        </p:nvSpPr>
-        <p:spPr/>
-        <p:txBody>
-          <a:bodyPr/>
-          <a:lstStyle/>
-          <a:p>
-            <a:endParaRPr lang="en-US"/>
-          </a:p>
-        </p:txBody>
-      </p:sp>
-      <p:pic>
-        <p:nvPicPr>
-          <p:cNvPr id="6" name="Content Placeholder 5">
-            <a:extLst>
-              <a:ext uri="{FF2B5EF4-FFF2-40B4-BE49-F238E27FC236}">
-                <a16:creationId xmlns:a16="http://schemas.microsoft.com/office/drawing/2014/main" id="{E01B62F4-6DA1-4E5D-AA7E-E68DC77687E7}"/>
-              </a:ext>
-            </a:extLst>
-          </p:cNvPr>
-          <p:cNvPicPr>
-            <a:picLocks noGrp="1" noChangeAspect="1"/>
-          </p:cNvPicPr>
-          <p:nvPr>
-            <p:ph idx="1"/>
-          </p:nvPr>
-        </p:nvPicPr>
-        <p:blipFill>
-          <a:blip r:embed="rId2"/>
-          <a:stretch>
-            <a:fillRect/>
-          </a:stretch>
-        </p:blipFill>
-        <p:spPr>
-          <a:xfrm>
-            <a:off x="591743" y="678958"/>
-            <a:ext cx="10564011" cy="5500083"/>
-          </a:xfrm>
-          <a:prstGeom prst="rect">
-            <a:avLst/>
-          </a:prstGeom>
-        </p:spPr>
-      </p:pic>
-    </p:spTree>
-    <p:extLst>
-      <p:ext uri="{BB962C8B-B14F-4D97-AF65-F5344CB8AC3E}">
-        <p14:creationId xmlns:p14="http://schemas.microsoft.com/office/powerpoint/2010/main" val="3996856080"/>
-      </p:ext>
-    </p:extLst>
-  </p:cSld>
-  <p:clrMapOvr>
-    <a:masterClrMapping/>
-  </p:clrMapOvr>
-</p:sld>
-</file>
-
-<file path=ppt/slides/slide23.xml><?xml version="1.0" encoding="utf-8"?>
-<p:sld xmlns:a="http://schemas.openxmlformats.org/drawingml/2006/main" xmlns:r="http://schemas.openxmlformats.org/officeDocument/2006/relationships" xmlns:p="http://schemas.openxmlformats.org/presentationml/2006/main">
-  <p:cSld>
-    <p:bg>
-      <p:bgPr>
-        <a:solidFill>
-          <a:schemeClr val="tx1"/>
-        </a:solidFill>
-        <a:effectLst/>
-      </p:bgPr>
-    </p:bg>
-    <p:spTree>
-      <p:nvGrpSpPr>
-        <p:cNvPr id="1" name=""/>
-        <p:cNvGrpSpPr/>
-        <p:nvPr/>
-      </p:nvGrpSpPr>
-      <p:grpSpPr>
-        <a:xfrm>
-          <a:off x="0" y="0"/>
-          <a:ext cx="0" cy="0"/>
-          <a:chOff x="0" y="0"/>
-          <a:chExt cx="0" cy="0"/>
-        </a:xfrm>
-      </p:grpSpPr>
-    </p:spTree>
-    <p:extLst>
-      <p:ext uri="{BB962C8B-B14F-4D97-AF65-F5344CB8AC3E}">
-        <p14:creationId xmlns:p14="http://schemas.microsoft.com/office/powerpoint/2010/main" val="501678011"/>
-      </p:ext>
-    </p:extLst>
-  </p:cSld>
-  <p:clrMapOvr>
-    <a:masterClrMapping/>
-  </p:clrMapOvr>
-</p:sld>
-</file>
-
-<file path=ppt/slides/slide24.xml><?xml version="1.0" encoding="utf-8"?>
-<p:sld xmlns:a="http://schemas.openxmlformats.org/drawingml/2006/main" xmlns:r="http://schemas.openxmlformats.org/officeDocument/2006/relationships" xmlns:p="http://schemas.openxmlformats.org/presentationml/2006/main">
-  <p:cSld>
-    <p:spTree>
-      <p:nvGrpSpPr>
-        <p:cNvPr id="1" name=""/>
-        <p:cNvGrpSpPr/>
-        <p:nvPr/>
-      </p:nvGrpSpPr>
-      <p:grpSpPr>
-        <a:xfrm>
-          <a:off x="0" y="0"/>
-          <a:ext cx="0" cy="0"/>
-          <a:chOff x="0" y="0"/>
-          <a:chExt cx="0" cy="0"/>
-        </a:xfrm>
-      </p:grpSpPr>
-      <p:sp>
-        <p:nvSpPr>
-          <p:cNvPr id="2" name="Title 1">
-            <a:extLst>
-              <a:ext uri="{FF2B5EF4-FFF2-40B4-BE49-F238E27FC236}">
-                <a16:creationId xmlns:a16="http://schemas.microsoft.com/office/drawing/2014/main" id="{A26DF1FD-B8A9-4478-AA35-3449A8C9A665}"/>
-              </a:ext>
-            </a:extLst>
-          </p:cNvPr>
-          <p:cNvSpPr>
-            <a:spLocks noGrp="1"/>
-          </p:cNvSpPr>
-          <p:nvPr>
-            <p:ph type="title"/>
-          </p:nvPr>
-        </p:nvSpPr>
-        <p:spPr/>
-        <p:txBody>
-          <a:bodyPr/>
-          <a:lstStyle/>
-          <a:p>
-            <a:endParaRPr lang="en-US"/>
-          </a:p>
-        </p:txBody>
-      </p:sp>
-      <p:sp>
-        <p:nvSpPr>
-          <p:cNvPr id="4" name="Content Placeholder 3">
-            <a:extLst>
-              <a:ext uri="{FF2B5EF4-FFF2-40B4-BE49-F238E27FC236}">
-                <a16:creationId xmlns:a16="http://schemas.microsoft.com/office/drawing/2014/main" id="{5758BBD6-B69A-4141-AEA8-035D930C40E2}"/>
-              </a:ext>
-            </a:extLst>
-          </p:cNvPr>
-          <p:cNvSpPr>
-            <a:spLocks noGrp="1"/>
-          </p:cNvSpPr>
-          <p:nvPr>
-            <p:ph idx="1"/>
-          </p:nvPr>
-        </p:nvSpPr>
-        <p:spPr/>
-        <p:txBody>
-          <a:bodyPr/>
-          <a:lstStyle/>
-          <a:p>
-            <a:endParaRPr lang="en-US"/>
-          </a:p>
-        </p:txBody>
-      </p:sp>
-      <p:pic>
-        <p:nvPicPr>
-          <p:cNvPr id="5" name="Picture 4">
-            <a:extLst>
-              <a:ext uri="{FF2B5EF4-FFF2-40B4-BE49-F238E27FC236}">
-                <a16:creationId xmlns:a16="http://schemas.microsoft.com/office/drawing/2014/main" id="{24E1D926-8605-42CB-ADE2-ED8593A2D50B}"/>
-              </a:ext>
-            </a:extLst>
-          </p:cNvPr>
-          <p:cNvPicPr>
-            <a:picLocks noChangeAspect="1"/>
-          </p:cNvPicPr>
-          <p:nvPr/>
-        </p:nvPicPr>
-        <p:blipFill>
-          <a:blip r:embed="rId2"/>
-          <a:stretch>
-            <a:fillRect/>
-          </a:stretch>
-        </p:blipFill>
-        <p:spPr>
-          <a:xfrm>
-            <a:off x="1325217" y="199257"/>
-            <a:ext cx="9037775" cy="6459486"/>
-          </a:xfrm>
-          <a:prstGeom prst="rect">
-            <a:avLst/>
-          </a:prstGeom>
-        </p:spPr>
-      </p:pic>
-    </p:spTree>
-    <p:extLst>
-      <p:ext uri="{BB962C8B-B14F-4D97-AF65-F5344CB8AC3E}">
-        <p14:creationId xmlns:p14="http://schemas.microsoft.com/office/powerpoint/2010/main" val="2513270241"/>
-      </p:ext>
-    </p:extLst>
-  </p:cSld>
-  <p:clrMapOvr>
-    <a:masterClrMapping/>
-  </p:clrMapOvr>
-</p:sld>
-</file>
-
-<file path=ppt/slides/slide25.xml><?xml version="1.0" encoding="utf-8"?>
-<p:sld xmlns:a="http://schemas.openxmlformats.org/drawingml/2006/main" xmlns:r="http://schemas.openxmlformats.org/officeDocument/2006/relationships" xmlns:p="http://schemas.openxmlformats.org/presentationml/2006/main">
-  <p:cSld>
-    <p:bg>
-      <p:bgPr>
-        <a:solidFill>
-          <a:schemeClr val="tx1"/>
-        </a:solidFill>
-        <a:effectLst/>
-      </p:bgPr>
-    </p:bg>
-    <p:spTree>
-      <p:nvGrpSpPr>
-        <p:cNvPr id="1" name=""/>
-        <p:cNvGrpSpPr/>
-        <p:nvPr/>
-      </p:nvGrpSpPr>
-      <p:grpSpPr>
-        <a:xfrm>
-          <a:off x="0" y="0"/>
-          <a:ext cx="0" cy="0"/>
-          <a:chOff x="0" y="0"/>
-          <a:chExt cx="0" cy="0"/>
-        </a:xfrm>
-      </p:grpSpPr>
-    </p:spTree>
-    <p:extLst>
-      <p:ext uri="{BB962C8B-B14F-4D97-AF65-F5344CB8AC3E}">
-        <p14:creationId xmlns:p14="http://schemas.microsoft.com/office/powerpoint/2010/main" val="2783473738"/>
-      </p:ext>
-    </p:extLst>
-  </p:cSld>
-  <p:clrMapOvr>
-    <a:masterClrMapping/>
-  </p:clrMapOvr>
-</p:sld>
-</file>
-
-<file path=ppt/slides/slide26.xml><?xml version="1.0" encoding="utf-8"?>
-<p:sld xmlns:a="http://schemas.openxmlformats.org/drawingml/2006/main" xmlns:r="http://schemas.openxmlformats.org/officeDocument/2006/relationships" xmlns:p="http://schemas.openxmlformats.org/presentationml/2006/main">
-  <p:cSld>
-    <p:spTree>
-      <p:nvGrpSpPr>
-        <p:cNvPr id="1" name=""/>
-        <p:cNvGrpSpPr/>
-        <p:nvPr/>
-      </p:nvGrpSpPr>
-      <p:grpSpPr>
-        <a:xfrm>
-          <a:off x="0" y="0"/>
-          <a:ext cx="0" cy="0"/>
-          <a:chOff x="0" y="0"/>
-          <a:chExt cx="0" cy="0"/>
-        </a:xfrm>
-      </p:grpSpPr>
-      <p:sp>
-        <p:nvSpPr>
-          <p:cNvPr id="2" name="Title 1">
-            <a:extLst>
-              <a:ext uri="{FF2B5EF4-FFF2-40B4-BE49-F238E27FC236}">
-                <a16:creationId xmlns:a16="http://schemas.microsoft.com/office/drawing/2014/main" id="{A26DF1FD-B8A9-4478-AA35-3449A8C9A665}"/>
-              </a:ext>
-            </a:extLst>
-          </p:cNvPr>
-          <p:cNvSpPr>
-            <a:spLocks noGrp="1"/>
-          </p:cNvSpPr>
-          <p:nvPr>
-            <p:ph type="title"/>
-          </p:nvPr>
-        </p:nvSpPr>
-        <p:spPr/>
-        <p:txBody>
-          <a:bodyPr/>
-          <a:lstStyle/>
-          <a:p>
-            <a:endParaRPr lang="en-US"/>
-          </a:p>
-        </p:txBody>
-      </p:sp>
-      <p:sp>
-        <p:nvSpPr>
-          <p:cNvPr id="8" name="Content Placeholder 7">
-            <a:extLst>
-              <a:ext uri="{FF2B5EF4-FFF2-40B4-BE49-F238E27FC236}">
-                <a16:creationId xmlns:a16="http://schemas.microsoft.com/office/drawing/2014/main" id="{E05AD2F5-2061-46FE-BC27-22E54EFBA2D7}"/>
-              </a:ext>
-            </a:extLst>
-          </p:cNvPr>
-          <p:cNvSpPr>
-            <a:spLocks noGrp="1"/>
-          </p:cNvSpPr>
-          <p:nvPr>
-            <p:ph idx="1"/>
-          </p:nvPr>
-        </p:nvSpPr>
-        <p:spPr/>
-        <p:txBody>
-          <a:bodyPr/>
-          <a:lstStyle/>
-          <a:p>
-            <a:endParaRPr lang="en-US"/>
-          </a:p>
-        </p:txBody>
-      </p:sp>
-      <p:pic>
-        <p:nvPicPr>
-          <p:cNvPr id="9" name="Picture 8">
-            <a:extLst>
-              <a:ext uri="{FF2B5EF4-FFF2-40B4-BE49-F238E27FC236}">
-                <a16:creationId xmlns:a16="http://schemas.microsoft.com/office/drawing/2014/main" id="{3BD5AD52-F6F1-464D-A968-5A953CB7D1B6}"/>
-              </a:ext>
-            </a:extLst>
-          </p:cNvPr>
-          <p:cNvPicPr>
-            <a:picLocks noChangeAspect="1"/>
-          </p:cNvPicPr>
-          <p:nvPr/>
-        </p:nvPicPr>
-        <p:blipFill>
-          <a:blip r:embed="rId2"/>
-          <a:stretch>
-            <a:fillRect/>
-          </a:stretch>
-        </p:blipFill>
-        <p:spPr>
-          <a:xfrm>
-            <a:off x="3040230" y="317582"/>
-            <a:ext cx="5376749" cy="5702218"/>
-          </a:xfrm>
-          <a:prstGeom prst="rect">
-            <a:avLst/>
-          </a:prstGeom>
-        </p:spPr>
-      </p:pic>
-    </p:spTree>
-    <p:extLst>
-      <p:ext uri="{BB962C8B-B14F-4D97-AF65-F5344CB8AC3E}">
-        <p14:creationId xmlns:p14="http://schemas.microsoft.com/office/powerpoint/2010/main" val="3196426974"/>
-      </p:ext>
-    </p:extLst>
-  </p:cSld>
-  <p:clrMapOvr>
-    <a:masterClrMapping/>
-  </p:clrMapOvr>
-</p:sld>
-</file>
-
-<file path=ppt/slides/slide27.xml><?xml version="1.0" encoding="utf-8"?>
-<p:sld xmlns:a="http://schemas.openxmlformats.org/drawingml/2006/main" xmlns:r="http://schemas.openxmlformats.org/officeDocument/2006/relationships" xmlns:p="http://schemas.openxmlformats.org/presentationml/2006/main">
-  <p:cSld>
-    <p:bg>
-      <p:bgPr>
-        <a:solidFill>
-          <a:schemeClr val="tx1"/>
-        </a:solidFill>
-        <a:effectLst/>
-      </p:bgPr>
-    </p:bg>
-    <p:spTree>
-      <p:nvGrpSpPr>
-        <p:cNvPr id="1" name=""/>
-        <p:cNvGrpSpPr/>
-        <p:nvPr/>
-      </p:nvGrpSpPr>
-      <p:grpSpPr>
-        <a:xfrm>
-          <a:off x="0" y="0"/>
-          <a:ext cx="0" cy="0"/>
-          <a:chOff x="0" y="0"/>
-          <a:chExt cx="0" cy="0"/>
-        </a:xfrm>
-      </p:grpSpPr>
-    </p:spTree>
-    <p:extLst>
-      <p:ext uri="{BB962C8B-B14F-4D97-AF65-F5344CB8AC3E}">
-        <p14:creationId xmlns:p14="http://schemas.microsoft.com/office/powerpoint/2010/main" val="3495988656"/>
-      </p:ext>
-    </p:extLst>
-  </p:cSld>
-  <p:clrMapOvr>
-    <a:masterClrMapping/>
-  </p:clrMapOvr>
-</p:sld>
-</file>
-
-<file path=ppt/slides/slide28.xml><?xml version="1.0" encoding="utf-8"?>
-<p:sld xmlns:a="http://schemas.openxmlformats.org/drawingml/2006/main" xmlns:r="http://schemas.openxmlformats.org/officeDocument/2006/relationships" xmlns:p="http://schemas.openxmlformats.org/presentationml/2006/main">
-  <p:cSld>
-    <p:spTree>
-      <p:nvGrpSpPr>
-        <p:cNvPr id="1" name=""/>
-        <p:cNvGrpSpPr/>
-        <p:nvPr/>
-      </p:nvGrpSpPr>
-      <p:grpSpPr>
-        <a:xfrm>
-          <a:off x="0" y="0"/>
-          <a:ext cx="0" cy="0"/>
-          <a:chOff x="0" y="0"/>
-          <a:chExt cx="0" cy="0"/>
-        </a:xfrm>
-      </p:grpSpPr>
-      <p:sp>
-        <p:nvSpPr>
-          <p:cNvPr id="2" name="Title 1">
-            <a:extLst>
-              <a:ext uri="{FF2B5EF4-FFF2-40B4-BE49-F238E27FC236}">
-                <a16:creationId xmlns:a16="http://schemas.microsoft.com/office/drawing/2014/main" id="{A26DF1FD-B8A9-4478-AA35-3449A8C9A665}"/>
-              </a:ext>
-            </a:extLst>
-          </p:cNvPr>
-          <p:cNvSpPr>
-            <a:spLocks noGrp="1"/>
-          </p:cNvSpPr>
-          <p:nvPr>
-            <p:ph type="title"/>
-          </p:nvPr>
-        </p:nvSpPr>
-        <p:spPr/>
-        <p:txBody>
-          <a:bodyPr/>
-          <a:lstStyle/>
-          <a:p>
-            <a:endParaRPr lang="en-US"/>
-          </a:p>
-        </p:txBody>
-      </p:sp>
-      <p:sp>
-        <p:nvSpPr>
-          <p:cNvPr id="5" name="Content Placeholder 4">
-            <a:extLst>
-              <a:ext uri="{FF2B5EF4-FFF2-40B4-BE49-F238E27FC236}">
                 <a16:creationId xmlns:a16="http://schemas.microsoft.com/office/drawing/2014/main" id="{FC2B2AE9-0C93-4113-89CD-7BEC0EA89479}"/>
               </a:ext>
             </a:extLst>
@@ -19442,6 +18812,575 @@
 </p:sld>
 </file>
 
+<file path=ppt/slides/slide21.xml><?xml version="1.0" encoding="utf-8"?>
+<p:sld xmlns:a="http://schemas.openxmlformats.org/drawingml/2006/main" xmlns:r="http://schemas.openxmlformats.org/officeDocument/2006/relationships" xmlns:p="http://schemas.openxmlformats.org/presentationml/2006/main">
+  <p:cSld>
+    <p:bg>
+      <p:bgPr>
+        <a:solidFill>
+          <a:schemeClr val="tx1"/>
+        </a:solidFill>
+        <a:effectLst/>
+      </p:bgPr>
+    </p:bg>
+    <p:spTree>
+      <p:nvGrpSpPr>
+        <p:cNvPr id="1" name=""/>
+        <p:cNvGrpSpPr/>
+        <p:nvPr/>
+      </p:nvGrpSpPr>
+      <p:grpSpPr>
+        <a:xfrm>
+          <a:off x="0" y="0"/>
+          <a:ext cx="0" cy="0"/>
+          <a:chOff x="0" y="0"/>
+          <a:chExt cx="0" cy="0"/>
+        </a:xfrm>
+      </p:grpSpPr>
+    </p:spTree>
+    <p:extLst>
+      <p:ext uri="{BB962C8B-B14F-4D97-AF65-F5344CB8AC3E}">
+        <p14:creationId xmlns:p14="http://schemas.microsoft.com/office/powerpoint/2010/main" val="4121189531"/>
+      </p:ext>
+    </p:extLst>
+  </p:cSld>
+  <p:clrMapOvr>
+    <a:masterClrMapping/>
+  </p:clrMapOvr>
+</p:sld>
+</file>
+
+<file path=ppt/slides/slide22.xml><?xml version="1.0" encoding="utf-8"?>
+<p:sld xmlns:a="http://schemas.openxmlformats.org/drawingml/2006/main" xmlns:r="http://schemas.openxmlformats.org/officeDocument/2006/relationships" xmlns:p="http://schemas.openxmlformats.org/presentationml/2006/main">
+  <p:cSld>
+    <p:spTree>
+      <p:nvGrpSpPr>
+        <p:cNvPr id="1" name=""/>
+        <p:cNvGrpSpPr/>
+        <p:nvPr/>
+      </p:nvGrpSpPr>
+      <p:grpSpPr>
+        <a:xfrm>
+          <a:off x="0" y="0"/>
+          <a:ext cx="0" cy="0"/>
+          <a:chOff x="0" y="0"/>
+          <a:chExt cx="0" cy="0"/>
+        </a:xfrm>
+      </p:grpSpPr>
+      <p:sp>
+        <p:nvSpPr>
+          <p:cNvPr id="2" name="Title 1">
+            <a:extLst>
+              <a:ext uri="{FF2B5EF4-FFF2-40B4-BE49-F238E27FC236}">
+                <a16:creationId xmlns:a16="http://schemas.microsoft.com/office/drawing/2014/main" id="{A26DF1FD-B8A9-4478-AA35-3449A8C9A665}"/>
+              </a:ext>
+            </a:extLst>
+          </p:cNvPr>
+          <p:cNvSpPr>
+            <a:spLocks noGrp="1"/>
+          </p:cNvSpPr>
+          <p:nvPr>
+            <p:ph type="title"/>
+          </p:nvPr>
+        </p:nvSpPr>
+        <p:spPr/>
+        <p:txBody>
+          <a:bodyPr/>
+          <a:lstStyle/>
+          <a:p>
+            <a:endParaRPr lang="en-US"/>
+          </a:p>
+        </p:txBody>
+      </p:sp>
+      <p:pic>
+        <p:nvPicPr>
+          <p:cNvPr id="3" name="Content Placeholder 2">
+            <a:extLst>
+              <a:ext uri="{FF2B5EF4-FFF2-40B4-BE49-F238E27FC236}">
+                <a16:creationId xmlns:a16="http://schemas.microsoft.com/office/drawing/2014/main" id="{D30CDB7F-6A18-44C4-96ED-22FC98BC73B6}"/>
+              </a:ext>
+            </a:extLst>
+          </p:cNvPr>
+          <p:cNvPicPr>
+            <a:picLocks noGrp="1" noChangeAspect="1"/>
+          </p:cNvPicPr>
+          <p:nvPr>
+            <p:ph idx="1"/>
+          </p:nvPr>
+        </p:nvPicPr>
+        <p:blipFill>
+          <a:blip r:embed="rId2"/>
+          <a:stretch>
+            <a:fillRect/>
+          </a:stretch>
+        </p:blipFill>
+        <p:spPr>
+          <a:xfrm>
+            <a:off x="854022" y="973668"/>
+            <a:ext cx="10483955" cy="5613581"/>
+          </a:xfrm>
+          <a:prstGeom prst="rect">
+            <a:avLst/>
+          </a:prstGeom>
+        </p:spPr>
+      </p:pic>
+    </p:spTree>
+    <p:extLst>
+      <p:ext uri="{BB962C8B-B14F-4D97-AF65-F5344CB8AC3E}">
+        <p14:creationId xmlns:p14="http://schemas.microsoft.com/office/powerpoint/2010/main" val="3796053072"/>
+      </p:ext>
+    </p:extLst>
+  </p:cSld>
+  <p:clrMapOvr>
+    <a:masterClrMapping/>
+  </p:clrMapOvr>
+</p:sld>
+</file>
+
+<file path=ppt/slides/slide23.xml><?xml version="1.0" encoding="utf-8"?>
+<p:sld xmlns:a="http://schemas.openxmlformats.org/drawingml/2006/main" xmlns:r="http://schemas.openxmlformats.org/officeDocument/2006/relationships" xmlns:p="http://schemas.openxmlformats.org/presentationml/2006/main">
+  <p:cSld>
+    <p:bg>
+      <p:bgPr>
+        <a:solidFill>
+          <a:schemeClr val="tx1"/>
+        </a:solidFill>
+        <a:effectLst/>
+      </p:bgPr>
+    </p:bg>
+    <p:spTree>
+      <p:nvGrpSpPr>
+        <p:cNvPr id="1" name=""/>
+        <p:cNvGrpSpPr/>
+        <p:nvPr/>
+      </p:nvGrpSpPr>
+      <p:grpSpPr>
+        <a:xfrm>
+          <a:off x="0" y="0"/>
+          <a:ext cx="0" cy="0"/>
+          <a:chOff x="0" y="0"/>
+          <a:chExt cx="0" cy="0"/>
+        </a:xfrm>
+      </p:grpSpPr>
+    </p:spTree>
+    <p:extLst>
+      <p:ext uri="{BB962C8B-B14F-4D97-AF65-F5344CB8AC3E}">
+        <p14:creationId xmlns:p14="http://schemas.microsoft.com/office/powerpoint/2010/main" val="2298978787"/>
+      </p:ext>
+    </p:extLst>
+  </p:cSld>
+  <p:clrMapOvr>
+    <a:masterClrMapping/>
+  </p:clrMapOvr>
+</p:sld>
+</file>
+
+<file path=ppt/slides/slide24.xml><?xml version="1.0" encoding="utf-8"?>
+<p:sld xmlns:a="http://schemas.openxmlformats.org/drawingml/2006/main" xmlns:r="http://schemas.openxmlformats.org/officeDocument/2006/relationships" xmlns:p="http://schemas.openxmlformats.org/presentationml/2006/main">
+  <p:cSld>
+    <p:spTree>
+      <p:nvGrpSpPr>
+        <p:cNvPr id="1" name=""/>
+        <p:cNvGrpSpPr/>
+        <p:nvPr/>
+      </p:nvGrpSpPr>
+      <p:grpSpPr>
+        <a:xfrm>
+          <a:off x="0" y="0"/>
+          <a:ext cx="0" cy="0"/>
+          <a:chOff x="0" y="0"/>
+          <a:chExt cx="0" cy="0"/>
+        </a:xfrm>
+      </p:grpSpPr>
+      <p:sp>
+        <p:nvSpPr>
+          <p:cNvPr id="2" name="Title 1">
+            <a:extLst>
+              <a:ext uri="{FF2B5EF4-FFF2-40B4-BE49-F238E27FC236}">
+                <a16:creationId xmlns:a16="http://schemas.microsoft.com/office/drawing/2014/main" id="{A26DF1FD-B8A9-4478-AA35-3449A8C9A665}"/>
+              </a:ext>
+            </a:extLst>
+          </p:cNvPr>
+          <p:cNvSpPr>
+            <a:spLocks noGrp="1"/>
+          </p:cNvSpPr>
+          <p:nvPr>
+            <p:ph type="title"/>
+          </p:nvPr>
+        </p:nvSpPr>
+        <p:spPr/>
+        <p:txBody>
+          <a:bodyPr/>
+          <a:lstStyle/>
+          <a:p>
+            <a:endParaRPr lang="en-US"/>
+          </a:p>
+        </p:txBody>
+      </p:sp>
+      <p:sp>
+        <p:nvSpPr>
+          <p:cNvPr id="5" name="Content Placeholder 4">
+            <a:extLst>
+              <a:ext uri="{FF2B5EF4-FFF2-40B4-BE49-F238E27FC236}">
+                <a16:creationId xmlns:a16="http://schemas.microsoft.com/office/drawing/2014/main" id="{4BF206A5-2E52-411C-B624-245CF4443760}"/>
+              </a:ext>
+            </a:extLst>
+          </p:cNvPr>
+          <p:cNvSpPr>
+            <a:spLocks noGrp="1"/>
+          </p:cNvSpPr>
+          <p:nvPr>
+            <p:ph idx="1"/>
+          </p:nvPr>
+        </p:nvSpPr>
+        <p:spPr/>
+        <p:txBody>
+          <a:bodyPr/>
+          <a:lstStyle/>
+          <a:p>
+            <a:endParaRPr lang="en-US"/>
+          </a:p>
+        </p:txBody>
+      </p:sp>
+      <p:pic>
+        <p:nvPicPr>
+          <p:cNvPr id="3" name="Picture 2">
+            <a:extLst>
+              <a:ext uri="{FF2B5EF4-FFF2-40B4-BE49-F238E27FC236}">
+                <a16:creationId xmlns:a16="http://schemas.microsoft.com/office/drawing/2014/main" id="{962F89F3-5CD5-4F76-9B0C-8F2A298173EE}"/>
+              </a:ext>
+            </a:extLst>
+          </p:cNvPr>
+          <p:cNvPicPr>
+            <a:picLocks noChangeAspect="1"/>
+          </p:cNvPicPr>
+          <p:nvPr/>
+        </p:nvPicPr>
+        <p:blipFill>
+          <a:blip r:embed="rId2"/>
+          <a:stretch>
+            <a:fillRect/>
+          </a:stretch>
+        </p:blipFill>
+        <p:spPr>
+          <a:xfrm>
+            <a:off x="868978" y="838200"/>
+            <a:ext cx="10454043" cy="5535490"/>
+          </a:xfrm>
+          <a:prstGeom prst="rect">
+            <a:avLst/>
+          </a:prstGeom>
+        </p:spPr>
+      </p:pic>
+    </p:spTree>
+    <p:extLst>
+      <p:ext uri="{BB962C8B-B14F-4D97-AF65-F5344CB8AC3E}">
+        <p14:creationId xmlns:p14="http://schemas.microsoft.com/office/powerpoint/2010/main" val="3251971922"/>
+      </p:ext>
+    </p:extLst>
+  </p:cSld>
+  <p:clrMapOvr>
+    <a:masterClrMapping/>
+  </p:clrMapOvr>
+</p:sld>
+</file>
+
+<file path=ppt/slides/slide25.xml><?xml version="1.0" encoding="utf-8"?>
+<p:sld xmlns:a="http://schemas.openxmlformats.org/drawingml/2006/main" xmlns:r="http://schemas.openxmlformats.org/officeDocument/2006/relationships" xmlns:p="http://schemas.openxmlformats.org/presentationml/2006/main">
+  <p:cSld>
+    <p:bg>
+      <p:bgPr>
+        <a:solidFill>
+          <a:schemeClr val="tx1"/>
+        </a:solidFill>
+        <a:effectLst/>
+      </p:bgPr>
+    </p:bg>
+    <p:spTree>
+      <p:nvGrpSpPr>
+        <p:cNvPr id="1" name=""/>
+        <p:cNvGrpSpPr/>
+        <p:nvPr/>
+      </p:nvGrpSpPr>
+      <p:grpSpPr>
+        <a:xfrm>
+          <a:off x="0" y="0"/>
+          <a:ext cx="0" cy="0"/>
+          <a:chOff x="0" y="0"/>
+          <a:chExt cx="0" cy="0"/>
+        </a:xfrm>
+      </p:grpSpPr>
+    </p:spTree>
+    <p:extLst>
+      <p:ext uri="{BB962C8B-B14F-4D97-AF65-F5344CB8AC3E}">
+        <p14:creationId xmlns:p14="http://schemas.microsoft.com/office/powerpoint/2010/main" val="438990147"/>
+      </p:ext>
+    </p:extLst>
+  </p:cSld>
+  <p:clrMapOvr>
+    <a:masterClrMapping/>
+  </p:clrMapOvr>
+</p:sld>
+</file>
+
+<file path=ppt/slides/slide26.xml><?xml version="1.0" encoding="utf-8"?>
+<p:sld xmlns:a="http://schemas.openxmlformats.org/drawingml/2006/main" xmlns:r="http://schemas.openxmlformats.org/officeDocument/2006/relationships" xmlns:p="http://schemas.openxmlformats.org/presentationml/2006/main">
+  <p:cSld>
+    <p:spTree>
+      <p:nvGrpSpPr>
+        <p:cNvPr id="1" name=""/>
+        <p:cNvGrpSpPr/>
+        <p:nvPr/>
+      </p:nvGrpSpPr>
+      <p:grpSpPr>
+        <a:xfrm>
+          <a:off x="0" y="0"/>
+          <a:ext cx="0" cy="0"/>
+          <a:chOff x="0" y="0"/>
+          <a:chExt cx="0" cy="0"/>
+        </a:xfrm>
+      </p:grpSpPr>
+      <p:sp>
+        <p:nvSpPr>
+          <p:cNvPr id="2" name="Title 1">
+            <a:extLst>
+              <a:ext uri="{FF2B5EF4-FFF2-40B4-BE49-F238E27FC236}">
+                <a16:creationId xmlns:a16="http://schemas.microsoft.com/office/drawing/2014/main" id="{A26DF1FD-B8A9-4478-AA35-3449A8C9A665}"/>
+              </a:ext>
+            </a:extLst>
+          </p:cNvPr>
+          <p:cNvSpPr>
+            <a:spLocks noGrp="1"/>
+          </p:cNvSpPr>
+          <p:nvPr>
+            <p:ph type="title"/>
+          </p:nvPr>
+        </p:nvSpPr>
+        <p:spPr/>
+        <p:txBody>
+          <a:bodyPr/>
+          <a:lstStyle/>
+          <a:p>
+            <a:endParaRPr lang="en-US"/>
+          </a:p>
+        </p:txBody>
+      </p:sp>
+      <p:sp>
+        <p:nvSpPr>
+          <p:cNvPr id="5" name="Content Placeholder 4">
+            <a:extLst>
+              <a:ext uri="{FF2B5EF4-FFF2-40B4-BE49-F238E27FC236}">
+                <a16:creationId xmlns:a16="http://schemas.microsoft.com/office/drawing/2014/main" id="{4BF206A5-2E52-411C-B624-245CF4443760}"/>
+              </a:ext>
+            </a:extLst>
+          </p:cNvPr>
+          <p:cNvSpPr>
+            <a:spLocks noGrp="1"/>
+          </p:cNvSpPr>
+          <p:nvPr>
+            <p:ph idx="1"/>
+          </p:nvPr>
+        </p:nvSpPr>
+        <p:spPr/>
+        <p:txBody>
+          <a:bodyPr/>
+          <a:lstStyle/>
+          <a:p>
+            <a:endParaRPr lang="en-US"/>
+          </a:p>
+        </p:txBody>
+      </p:sp>
+      <p:pic>
+        <p:nvPicPr>
+          <p:cNvPr id="3" name="Picture 2">
+            <a:extLst>
+              <a:ext uri="{FF2B5EF4-FFF2-40B4-BE49-F238E27FC236}">
+                <a16:creationId xmlns:a16="http://schemas.microsoft.com/office/drawing/2014/main" id="{C544D1DD-A799-4640-8B83-2D825822F884}"/>
+              </a:ext>
+            </a:extLst>
+          </p:cNvPr>
+          <p:cNvPicPr>
+            <a:picLocks noChangeAspect="1"/>
+          </p:cNvPicPr>
+          <p:nvPr/>
+        </p:nvPicPr>
+        <p:blipFill>
+          <a:blip r:embed="rId2"/>
+          <a:stretch>
+            <a:fillRect/>
+          </a:stretch>
+        </p:blipFill>
+        <p:spPr>
+          <a:xfrm>
+            <a:off x="2275633" y="2484734"/>
+            <a:ext cx="6890923" cy="2751783"/>
+          </a:xfrm>
+          <a:prstGeom prst="rect">
+            <a:avLst/>
+          </a:prstGeom>
+        </p:spPr>
+      </p:pic>
+    </p:spTree>
+    <p:extLst>
+      <p:ext uri="{BB962C8B-B14F-4D97-AF65-F5344CB8AC3E}">
+        <p14:creationId xmlns:p14="http://schemas.microsoft.com/office/powerpoint/2010/main" val="2577494728"/>
+      </p:ext>
+    </p:extLst>
+  </p:cSld>
+  <p:clrMapOvr>
+    <a:masterClrMapping/>
+  </p:clrMapOvr>
+</p:sld>
+</file>
+
+<file path=ppt/slides/slide27.xml><?xml version="1.0" encoding="utf-8"?>
+<p:sld xmlns:a="http://schemas.openxmlformats.org/drawingml/2006/main" xmlns:r="http://schemas.openxmlformats.org/officeDocument/2006/relationships" xmlns:p="http://schemas.openxmlformats.org/presentationml/2006/main">
+  <p:cSld>
+    <p:bg>
+      <p:bgPr>
+        <a:solidFill>
+          <a:schemeClr val="tx1"/>
+        </a:solidFill>
+        <a:effectLst/>
+      </p:bgPr>
+    </p:bg>
+    <p:spTree>
+      <p:nvGrpSpPr>
+        <p:cNvPr id="1" name=""/>
+        <p:cNvGrpSpPr/>
+        <p:nvPr/>
+      </p:nvGrpSpPr>
+      <p:grpSpPr>
+        <a:xfrm>
+          <a:off x="0" y="0"/>
+          <a:ext cx="0" cy="0"/>
+          <a:chOff x="0" y="0"/>
+          <a:chExt cx="0" cy="0"/>
+        </a:xfrm>
+      </p:grpSpPr>
+    </p:spTree>
+    <p:extLst>
+      <p:ext uri="{BB962C8B-B14F-4D97-AF65-F5344CB8AC3E}">
+        <p14:creationId xmlns:p14="http://schemas.microsoft.com/office/powerpoint/2010/main" val="3563976167"/>
+      </p:ext>
+    </p:extLst>
+  </p:cSld>
+  <p:clrMapOvr>
+    <a:masterClrMapping/>
+  </p:clrMapOvr>
+</p:sld>
+</file>
+
+<file path=ppt/slides/slide28.xml><?xml version="1.0" encoding="utf-8"?>
+<p:sld xmlns:a="http://schemas.openxmlformats.org/drawingml/2006/main" xmlns:r="http://schemas.openxmlformats.org/officeDocument/2006/relationships" xmlns:p="http://schemas.openxmlformats.org/presentationml/2006/main">
+  <p:cSld>
+    <p:spTree>
+      <p:nvGrpSpPr>
+        <p:cNvPr id="1" name=""/>
+        <p:cNvGrpSpPr/>
+        <p:nvPr/>
+      </p:nvGrpSpPr>
+      <p:grpSpPr>
+        <a:xfrm>
+          <a:off x="0" y="0"/>
+          <a:ext cx="0" cy="0"/>
+          <a:chOff x="0" y="0"/>
+          <a:chExt cx="0" cy="0"/>
+        </a:xfrm>
+      </p:grpSpPr>
+      <p:sp>
+        <p:nvSpPr>
+          <p:cNvPr id="2" name="Title 1">
+            <a:extLst>
+              <a:ext uri="{FF2B5EF4-FFF2-40B4-BE49-F238E27FC236}">
+                <a16:creationId xmlns:a16="http://schemas.microsoft.com/office/drawing/2014/main" id="{A26DF1FD-B8A9-4478-AA35-3449A8C9A665}"/>
+              </a:ext>
+            </a:extLst>
+          </p:cNvPr>
+          <p:cNvSpPr>
+            <a:spLocks noGrp="1"/>
+          </p:cNvSpPr>
+          <p:nvPr>
+            <p:ph type="title"/>
+          </p:nvPr>
+        </p:nvSpPr>
+        <p:spPr/>
+        <p:txBody>
+          <a:bodyPr/>
+          <a:lstStyle/>
+          <a:p>
+            <a:endParaRPr lang="en-US"/>
+          </a:p>
+        </p:txBody>
+      </p:sp>
+      <p:sp>
+        <p:nvSpPr>
+          <p:cNvPr id="5" name="Content Placeholder 4">
+            <a:extLst>
+              <a:ext uri="{FF2B5EF4-FFF2-40B4-BE49-F238E27FC236}">
+                <a16:creationId xmlns:a16="http://schemas.microsoft.com/office/drawing/2014/main" id="{4BF206A5-2E52-411C-B624-245CF4443760}"/>
+              </a:ext>
+            </a:extLst>
+          </p:cNvPr>
+          <p:cNvSpPr>
+            <a:spLocks noGrp="1"/>
+          </p:cNvSpPr>
+          <p:nvPr>
+            <p:ph idx="1"/>
+          </p:nvPr>
+        </p:nvSpPr>
+        <p:spPr/>
+        <p:txBody>
+          <a:bodyPr/>
+          <a:lstStyle/>
+          <a:p>
+            <a:endParaRPr lang="en-US"/>
+          </a:p>
+        </p:txBody>
+      </p:sp>
+      <p:pic>
+        <p:nvPicPr>
+          <p:cNvPr id="7" name="Picture 6">
+            <a:extLst>
+              <a:ext uri="{FF2B5EF4-FFF2-40B4-BE49-F238E27FC236}">
+                <a16:creationId xmlns:a16="http://schemas.microsoft.com/office/drawing/2014/main" id="{C34FCBE9-0AC3-40F7-B436-A9A69DF1B95D}"/>
+              </a:ext>
+            </a:extLst>
+          </p:cNvPr>
+          <p:cNvPicPr>
+            <a:picLocks noChangeAspect="1"/>
+          </p:cNvPicPr>
+          <p:nvPr/>
+        </p:nvPicPr>
+        <p:blipFill>
+          <a:blip r:embed="rId2"/>
+          <a:stretch>
+            <a:fillRect/>
+          </a:stretch>
+        </p:blipFill>
+        <p:spPr>
+          <a:xfrm>
+            <a:off x="636103" y="973668"/>
+            <a:ext cx="10098157" cy="5427132"/>
+          </a:xfrm>
+          <a:prstGeom prst="rect">
+            <a:avLst/>
+          </a:prstGeom>
+        </p:spPr>
+      </p:pic>
+    </p:spTree>
+    <p:extLst>
+      <p:ext uri="{BB962C8B-B14F-4D97-AF65-F5344CB8AC3E}">
+        <p14:creationId xmlns:p14="http://schemas.microsoft.com/office/powerpoint/2010/main" val="2104002221"/>
+      </p:ext>
+    </p:extLst>
+  </p:cSld>
+  <p:clrMapOvr>
+    <a:masterClrMapping/>
+  </p:clrMapOvr>
+</p:sld>
+</file>
+
 <file path=ppt/slides/slide29.xml><?xml version="1.0" encoding="utf-8"?>
 <p:sld xmlns:a="http://schemas.openxmlformats.org/drawingml/2006/main" xmlns:r="http://schemas.openxmlformats.org/officeDocument/2006/relationships" xmlns:p="http://schemas.openxmlformats.org/presentationml/2006/main">
   <p:cSld>
@@ -19470,7 +19409,7 @@
     </p:spTree>
     <p:extLst>
       <p:ext uri="{BB962C8B-B14F-4D97-AF65-F5344CB8AC3E}">
-        <p14:creationId xmlns:p14="http://schemas.microsoft.com/office/powerpoint/2010/main" val="4121189531"/>
+        <p14:creationId xmlns:p14="http://schemas.microsoft.com/office/powerpoint/2010/main" val="1863820688"/>
       </p:ext>
     </p:extLst>
   </p:cSld>
@@ -19565,7 +19504,7 @@
           <p:cNvPr id="3" name="Content Placeholder 2">
             <a:extLst>
               <a:ext uri="{FF2B5EF4-FFF2-40B4-BE49-F238E27FC236}">
-                <a16:creationId xmlns:a16="http://schemas.microsoft.com/office/drawing/2014/main" id="{D30CDB7F-6A18-44C4-96ED-22FC98BC73B6}"/>
+                <a16:creationId xmlns:a16="http://schemas.microsoft.com/office/drawing/2014/main" id="{E35BCEB0-D92A-4CBD-86DF-4D11EB21A9CF}"/>
               </a:ext>
             </a:extLst>
           </p:cNvPr>
@@ -19584,8 +19523,8 @@
         </p:blipFill>
         <p:spPr>
           <a:xfrm>
-            <a:off x="854022" y="973668"/>
-            <a:ext cx="10483955" cy="5613581"/>
+            <a:off x="256039" y="1391479"/>
+            <a:ext cx="11679921" cy="3813784"/>
           </a:xfrm>
           <a:prstGeom prst="rect">
             <a:avLst/>
@@ -19595,7 +19534,7 @@
     </p:spTree>
     <p:extLst>
       <p:ext uri="{BB962C8B-B14F-4D97-AF65-F5344CB8AC3E}">
-        <p14:creationId xmlns:p14="http://schemas.microsoft.com/office/powerpoint/2010/main" val="3796053072"/>
+        <p14:creationId xmlns:p14="http://schemas.microsoft.com/office/powerpoint/2010/main" val="2972595432"/>
       </p:ext>
     </p:extLst>
   </p:cSld>
@@ -19633,7 +19572,7 @@
     </p:spTree>
     <p:extLst>
       <p:ext uri="{BB962C8B-B14F-4D97-AF65-F5344CB8AC3E}">
-        <p14:creationId xmlns:p14="http://schemas.microsoft.com/office/powerpoint/2010/main" val="2298978787"/>
+        <p14:creationId xmlns:p14="http://schemas.microsoft.com/office/powerpoint/2010/main" val="3126238194"/>
       </p:ext>
     </p:extLst>
   </p:cSld>
@@ -19687,10 +19626,10 @@
       </p:sp>
       <p:sp>
         <p:nvSpPr>
-          <p:cNvPr id="5" name="Content Placeholder 4">
+          <p:cNvPr id="8" name="Content Placeholder 7">
             <a:extLst>
               <a:ext uri="{FF2B5EF4-FFF2-40B4-BE49-F238E27FC236}">
-                <a16:creationId xmlns:a16="http://schemas.microsoft.com/office/drawing/2014/main" id="{4BF206A5-2E52-411C-B624-245CF4443760}"/>
+                <a16:creationId xmlns:a16="http://schemas.microsoft.com/office/drawing/2014/main" id="{68C1D735-F01F-41B3-8318-560C02995839}"/>
               </a:ext>
             </a:extLst>
           </p:cNvPr>
@@ -19712,10 +19651,10 @@
       </p:sp>
       <p:pic>
         <p:nvPicPr>
-          <p:cNvPr id="3" name="Picture 2">
+          <p:cNvPr id="9" name="Picture 8">
             <a:extLst>
               <a:ext uri="{FF2B5EF4-FFF2-40B4-BE49-F238E27FC236}">
-                <a16:creationId xmlns:a16="http://schemas.microsoft.com/office/drawing/2014/main" id="{962F89F3-5CD5-4F76-9B0C-8F2A298173EE}"/>
+                <a16:creationId xmlns:a16="http://schemas.microsoft.com/office/drawing/2014/main" id="{41E512AF-12FA-4C01-AB03-C9A78B3E5ED2}"/>
               </a:ext>
             </a:extLst>
           </p:cNvPr>
@@ -19732,8 +19671,8 @@
         </p:blipFill>
         <p:spPr>
           <a:xfrm>
-            <a:off x="868978" y="838200"/>
-            <a:ext cx="10454043" cy="5535490"/>
+            <a:off x="1015319" y="463620"/>
+            <a:ext cx="10021726" cy="5930759"/>
           </a:xfrm>
           <a:prstGeom prst="rect">
             <a:avLst/>
@@ -19743,7 +19682,7 @@
     </p:spTree>
     <p:extLst>
       <p:ext uri="{BB962C8B-B14F-4D97-AF65-F5344CB8AC3E}">
-        <p14:creationId xmlns:p14="http://schemas.microsoft.com/office/powerpoint/2010/main" val="3251971922"/>
+        <p14:creationId xmlns:p14="http://schemas.microsoft.com/office/powerpoint/2010/main" val="2356818484"/>
       </p:ext>
     </p:extLst>
   </p:cSld>
@@ -19781,7 +19720,7 @@
     </p:spTree>
     <p:extLst>
       <p:ext uri="{BB962C8B-B14F-4D97-AF65-F5344CB8AC3E}">
-        <p14:creationId xmlns:p14="http://schemas.microsoft.com/office/powerpoint/2010/main" val="438990147"/>
+        <p14:creationId xmlns:p14="http://schemas.microsoft.com/office/powerpoint/2010/main" val="1865190035"/>
       </p:ext>
     </p:extLst>
   </p:cSld>
@@ -19833,44 +19772,21 @@
           </a:p>
         </p:txBody>
       </p:sp>
-      <p:sp>
-        <p:nvSpPr>
-          <p:cNvPr id="5" name="Content Placeholder 4">
+      <p:pic>
+        <p:nvPicPr>
+          <p:cNvPr id="3" name="Content Placeholder 2">
             <a:extLst>
               <a:ext uri="{FF2B5EF4-FFF2-40B4-BE49-F238E27FC236}">
-                <a16:creationId xmlns:a16="http://schemas.microsoft.com/office/drawing/2014/main" id="{4BF206A5-2E52-411C-B624-245CF4443760}"/>
-              </a:ext>
-            </a:extLst>
-          </p:cNvPr>
-          <p:cNvSpPr>
-            <a:spLocks noGrp="1"/>
-          </p:cNvSpPr>
-          <p:nvPr>
-            <p:ph idx="1"/>
-          </p:nvPr>
-        </p:nvSpPr>
-        <p:spPr/>
-        <p:txBody>
-          <a:bodyPr/>
-          <a:lstStyle/>
-          <a:p>
-            <a:endParaRPr lang="en-US"/>
-          </a:p>
-        </p:txBody>
-      </p:sp>
-      <p:pic>
-        <p:nvPicPr>
-          <p:cNvPr id="3" name="Picture 2">
-            <a:extLst>
-              <a:ext uri="{FF2B5EF4-FFF2-40B4-BE49-F238E27FC236}">
-                <a16:creationId xmlns:a16="http://schemas.microsoft.com/office/drawing/2014/main" id="{C544D1DD-A799-4640-8B83-2D825822F884}"/>
+                <a16:creationId xmlns:a16="http://schemas.microsoft.com/office/drawing/2014/main" id="{1BC4FA54-90EF-4434-A293-E6629CA12099}"/>
               </a:ext>
             </a:extLst>
           </p:cNvPr>
           <p:cNvPicPr>
-            <a:picLocks noChangeAspect="1"/>
+            <a:picLocks noGrp="1" noChangeAspect="1"/>
           </p:cNvPicPr>
-          <p:nvPr/>
+          <p:nvPr>
+            <p:ph idx="1"/>
+          </p:nvPr>
         </p:nvPicPr>
         <p:blipFill>
           <a:blip r:embed="rId2"/>
@@ -19880,8 +19796,8 @@
         </p:blipFill>
         <p:spPr>
           <a:xfrm>
-            <a:off x="2275633" y="2484734"/>
-            <a:ext cx="6890923" cy="2751783"/>
+            <a:off x="1154953" y="1680632"/>
+            <a:ext cx="10396360" cy="3076897"/>
           </a:xfrm>
           <a:prstGeom prst="rect">
             <a:avLst/>
@@ -19891,7 +19807,7 @@
     </p:spTree>
     <p:extLst>
       <p:ext uri="{BB962C8B-B14F-4D97-AF65-F5344CB8AC3E}">
-        <p14:creationId xmlns:p14="http://schemas.microsoft.com/office/powerpoint/2010/main" val="2577494728"/>
+        <p14:creationId xmlns:p14="http://schemas.microsoft.com/office/powerpoint/2010/main" val="939934447"/>
       </p:ext>
     </p:extLst>
   </p:cSld>
@@ -19929,7 +19845,7 @@
     </p:spTree>
     <p:extLst>
       <p:ext uri="{BB962C8B-B14F-4D97-AF65-F5344CB8AC3E}">
-        <p14:creationId xmlns:p14="http://schemas.microsoft.com/office/powerpoint/2010/main" val="3563976167"/>
+        <p14:creationId xmlns:p14="http://schemas.microsoft.com/office/powerpoint/2010/main" val="49439987"/>
       </p:ext>
     </p:extLst>
   </p:cSld>
@@ -19983,10 +19899,10 @@
       </p:sp>
       <p:sp>
         <p:nvSpPr>
-          <p:cNvPr id="5" name="Content Placeholder 4">
+          <p:cNvPr id="8" name="Content Placeholder 7">
             <a:extLst>
               <a:ext uri="{FF2B5EF4-FFF2-40B4-BE49-F238E27FC236}">
-                <a16:creationId xmlns:a16="http://schemas.microsoft.com/office/drawing/2014/main" id="{4BF206A5-2E52-411C-B624-245CF4443760}"/>
+                <a16:creationId xmlns:a16="http://schemas.microsoft.com/office/drawing/2014/main" id="{68C1D735-F01F-41B3-8318-560C02995839}"/>
               </a:ext>
             </a:extLst>
           </p:cNvPr>
@@ -20008,10 +19924,10 @@
       </p:sp>
       <p:pic>
         <p:nvPicPr>
-          <p:cNvPr id="7" name="Picture 6">
+          <p:cNvPr id="3" name="Picture 2">
             <a:extLst>
               <a:ext uri="{FF2B5EF4-FFF2-40B4-BE49-F238E27FC236}">
-                <a16:creationId xmlns:a16="http://schemas.microsoft.com/office/drawing/2014/main" id="{C34FCBE9-0AC3-40F7-B436-A9A69DF1B95D}"/>
+                <a16:creationId xmlns:a16="http://schemas.microsoft.com/office/drawing/2014/main" id="{FD8EEDBF-84E1-4262-B492-AA76659035A4}"/>
               </a:ext>
             </a:extLst>
           </p:cNvPr>
@@ -20028,8 +19944,8 @@
         </p:blipFill>
         <p:spPr>
           <a:xfrm>
-            <a:off x="636103" y="973668"/>
-            <a:ext cx="10098157" cy="5427132"/>
+            <a:off x="1605384" y="1680632"/>
+            <a:ext cx="8439763" cy="3726255"/>
           </a:xfrm>
           <a:prstGeom prst="rect">
             <a:avLst/>
@@ -20039,7 +19955,7 @@
     </p:spTree>
     <p:extLst>
       <p:ext uri="{BB962C8B-B14F-4D97-AF65-F5344CB8AC3E}">
-        <p14:creationId xmlns:p14="http://schemas.microsoft.com/office/powerpoint/2010/main" val="2104002221"/>
+        <p14:creationId xmlns:p14="http://schemas.microsoft.com/office/powerpoint/2010/main" val="2949194163"/>
       </p:ext>
     </p:extLst>
   </p:cSld>
@@ -20077,7 +19993,7 @@
     </p:spTree>
     <p:extLst>
       <p:ext uri="{BB962C8B-B14F-4D97-AF65-F5344CB8AC3E}">
-        <p14:creationId xmlns:p14="http://schemas.microsoft.com/office/powerpoint/2010/main" val="1863820688"/>
+        <p14:creationId xmlns:p14="http://schemas.microsoft.com/office/powerpoint/2010/main" val="4234375305"/>
       </p:ext>
     </p:extLst>
   </p:cSld>
@@ -20131,10 +20047,10 @@
       </p:sp>
       <p:pic>
         <p:nvPicPr>
-          <p:cNvPr id="3" name="Content Placeholder 2">
+          <p:cNvPr id="5" name="Content Placeholder 4">
             <a:extLst>
               <a:ext uri="{FF2B5EF4-FFF2-40B4-BE49-F238E27FC236}">
-                <a16:creationId xmlns:a16="http://schemas.microsoft.com/office/drawing/2014/main" id="{E35BCEB0-D92A-4CBD-86DF-4D11EB21A9CF}"/>
+                <a16:creationId xmlns:a16="http://schemas.microsoft.com/office/drawing/2014/main" id="{954D1823-3E20-41AB-A4CA-A3F662593E85}"/>
               </a:ext>
             </a:extLst>
           </p:cNvPr>
@@ -20153,8 +20069,8 @@
         </p:blipFill>
         <p:spPr>
           <a:xfrm>
-            <a:off x="256039" y="1391479"/>
-            <a:ext cx="11679921" cy="3813784"/>
+            <a:off x="2093843" y="1327150"/>
+            <a:ext cx="7540135" cy="5334204"/>
           </a:xfrm>
           <a:prstGeom prst="rect">
             <a:avLst/>
@@ -20164,7 +20080,7 @@
     </p:spTree>
     <p:extLst>
       <p:ext uri="{BB962C8B-B14F-4D97-AF65-F5344CB8AC3E}">
-        <p14:creationId xmlns:p14="http://schemas.microsoft.com/office/powerpoint/2010/main" val="2972595432"/>
+        <p14:creationId xmlns:p14="http://schemas.microsoft.com/office/powerpoint/2010/main" val="224476391"/>
       </p:ext>
     </p:extLst>
   </p:cSld>
@@ -20202,7 +20118,7 @@
     </p:spTree>
     <p:extLst>
       <p:ext uri="{BB962C8B-B14F-4D97-AF65-F5344CB8AC3E}">
-        <p14:creationId xmlns:p14="http://schemas.microsoft.com/office/powerpoint/2010/main" val="3126238194"/>
+        <p14:creationId xmlns:p14="http://schemas.microsoft.com/office/powerpoint/2010/main" val="2756033325"/>
       </p:ext>
     </p:extLst>
   </p:cSld>
@@ -20364,44 +20280,21 @@
           </a:p>
         </p:txBody>
       </p:sp>
-      <p:sp>
-        <p:nvSpPr>
-          <p:cNvPr id="8" name="Content Placeholder 7">
+      <p:pic>
+        <p:nvPicPr>
+          <p:cNvPr id="3" name="Content Placeholder 2">
             <a:extLst>
               <a:ext uri="{FF2B5EF4-FFF2-40B4-BE49-F238E27FC236}">
-                <a16:creationId xmlns:a16="http://schemas.microsoft.com/office/drawing/2014/main" id="{68C1D735-F01F-41B3-8318-560C02995839}"/>
-              </a:ext>
-            </a:extLst>
-          </p:cNvPr>
-          <p:cNvSpPr>
-            <a:spLocks noGrp="1"/>
-          </p:cNvSpPr>
-          <p:nvPr>
-            <p:ph idx="1"/>
-          </p:nvPr>
-        </p:nvSpPr>
-        <p:spPr/>
-        <p:txBody>
-          <a:bodyPr/>
-          <a:lstStyle/>
-          <a:p>
-            <a:endParaRPr lang="en-US"/>
-          </a:p>
-        </p:txBody>
-      </p:sp>
-      <p:pic>
-        <p:nvPicPr>
-          <p:cNvPr id="9" name="Picture 8">
-            <a:extLst>
-              <a:ext uri="{FF2B5EF4-FFF2-40B4-BE49-F238E27FC236}">
-                <a16:creationId xmlns:a16="http://schemas.microsoft.com/office/drawing/2014/main" id="{41E512AF-12FA-4C01-AB03-C9A78B3E5ED2}"/>
+                <a16:creationId xmlns:a16="http://schemas.microsoft.com/office/drawing/2014/main" id="{A55BB0D4-41F3-44C8-BAFB-C143C016AC8C}"/>
               </a:ext>
             </a:extLst>
           </p:cNvPr>
           <p:cNvPicPr>
-            <a:picLocks noChangeAspect="1"/>
+            <a:picLocks noGrp="1" noChangeAspect="1"/>
           </p:cNvPicPr>
-          <p:nvPr/>
+          <p:nvPr>
+            <p:ph idx="1"/>
+          </p:nvPr>
         </p:nvPicPr>
         <p:blipFill>
           <a:blip r:embed="rId2"/>
@@ -20411,8 +20304,8 @@
         </p:blipFill>
         <p:spPr>
           <a:xfrm>
-            <a:off x="1015319" y="463620"/>
-            <a:ext cx="10021726" cy="5930759"/>
+            <a:off x="1154954" y="539163"/>
+            <a:ext cx="9882094" cy="6103489"/>
           </a:xfrm>
           <a:prstGeom prst="rect">
             <a:avLst/>
@@ -20422,7 +20315,7 @@
     </p:spTree>
     <p:extLst>
       <p:ext uri="{BB962C8B-B14F-4D97-AF65-F5344CB8AC3E}">
-        <p14:creationId xmlns:p14="http://schemas.microsoft.com/office/powerpoint/2010/main" val="2356818484"/>
+        <p14:creationId xmlns:p14="http://schemas.microsoft.com/office/powerpoint/2010/main" val="1215176017"/>
       </p:ext>
     </p:extLst>
   </p:cSld>
@@ -20460,7 +20353,7 @@
     </p:spTree>
     <p:extLst>
       <p:ext uri="{BB962C8B-B14F-4D97-AF65-F5344CB8AC3E}">
-        <p14:creationId xmlns:p14="http://schemas.microsoft.com/office/powerpoint/2010/main" val="1865190035"/>
+        <p14:creationId xmlns:p14="http://schemas.microsoft.com/office/powerpoint/2010/main" val="3831898817"/>
       </p:ext>
     </p:extLst>
   </p:cSld>
@@ -20517,7 +20410,7 @@
           <p:cNvPr id="3" name="Content Placeholder 2">
             <a:extLst>
               <a:ext uri="{FF2B5EF4-FFF2-40B4-BE49-F238E27FC236}">
-                <a16:creationId xmlns:a16="http://schemas.microsoft.com/office/drawing/2014/main" id="{1BC4FA54-90EF-4434-A293-E6629CA12099}"/>
+                <a16:creationId xmlns:a16="http://schemas.microsoft.com/office/drawing/2014/main" id="{05976F3F-84B3-40FB-8A8D-9A5012DA6B8C}"/>
               </a:ext>
             </a:extLst>
           </p:cNvPr>
@@ -20536,8 +20429,8 @@
         </p:blipFill>
         <p:spPr>
           <a:xfrm>
-            <a:off x="1154953" y="1680632"/>
-            <a:ext cx="10396360" cy="3076897"/>
+            <a:off x="596349" y="973668"/>
+            <a:ext cx="10440698" cy="5046087"/>
           </a:xfrm>
           <a:prstGeom prst="rect">
             <a:avLst/>
@@ -20547,7 +20440,7 @@
     </p:spTree>
     <p:extLst>
       <p:ext uri="{BB962C8B-B14F-4D97-AF65-F5344CB8AC3E}">
-        <p14:creationId xmlns:p14="http://schemas.microsoft.com/office/powerpoint/2010/main" val="939934447"/>
+        <p14:creationId xmlns:p14="http://schemas.microsoft.com/office/powerpoint/2010/main" val="1836453090"/>
       </p:ext>
     </p:extLst>
   </p:cSld>
@@ -20585,7 +20478,7 @@
     </p:spTree>
     <p:extLst>
       <p:ext uri="{BB962C8B-B14F-4D97-AF65-F5344CB8AC3E}">
-        <p14:creationId xmlns:p14="http://schemas.microsoft.com/office/powerpoint/2010/main" val="49439987"/>
+        <p14:creationId xmlns:p14="http://schemas.microsoft.com/office/powerpoint/2010/main" val="1426968413"/>
       </p:ext>
     </p:extLst>
   </p:cSld>
@@ -20637,44 +20530,21 @@
           </a:p>
         </p:txBody>
       </p:sp>
-      <p:sp>
-        <p:nvSpPr>
-          <p:cNvPr id="8" name="Content Placeholder 7">
+      <p:pic>
+        <p:nvPicPr>
+          <p:cNvPr id="3" name="Content Placeholder 2">
             <a:extLst>
               <a:ext uri="{FF2B5EF4-FFF2-40B4-BE49-F238E27FC236}">
-                <a16:creationId xmlns:a16="http://schemas.microsoft.com/office/drawing/2014/main" id="{68C1D735-F01F-41B3-8318-560C02995839}"/>
-              </a:ext>
-            </a:extLst>
-          </p:cNvPr>
-          <p:cNvSpPr>
-            <a:spLocks noGrp="1"/>
-          </p:cNvSpPr>
-          <p:nvPr>
-            <p:ph idx="1"/>
-          </p:nvPr>
-        </p:nvSpPr>
-        <p:spPr/>
-        <p:txBody>
-          <a:bodyPr/>
-          <a:lstStyle/>
-          <a:p>
-            <a:endParaRPr lang="en-US"/>
-          </a:p>
-        </p:txBody>
-      </p:sp>
-      <p:pic>
-        <p:nvPicPr>
-          <p:cNvPr id="3" name="Picture 2">
-            <a:extLst>
-              <a:ext uri="{FF2B5EF4-FFF2-40B4-BE49-F238E27FC236}">
-                <a16:creationId xmlns:a16="http://schemas.microsoft.com/office/drawing/2014/main" id="{FD8EEDBF-84E1-4262-B492-AA76659035A4}"/>
+                <a16:creationId xmlns:a16="http://schemas.microsoft.com/office/drawing/2014/main" id="{7825B95A-7A83-4CB4-83D3-794782CAA4FE}"/>
               </a:ext>
             </a:extLst>
           </p:cNvPr>
           <p:cNvPicPr>
-            <a:picLocks noChangeAspect="1"/>
+            <a:picLocks noGrp="1" noChangeAspect="1"/>
           </p:cNvPicPr>
-          <p:nvPr/>
+          <p:nvPr>
+            <p:ph idx="1"/>
+          </p:nvPr>
         </p:nvPicPr>
         <p:blipFill>
           <a:blip r:embed="rId2"/>
@@ -20684,8 +20554,8 @@
         </p:blipFill>
         <p:spPr>
           <a:xfrm>
-            <a:off x="1605384" y="1680632"/>
-            <a:ext cx="8439763" cy="3726255"/>
+            <a:off x="1154953" y="890842"/>
+            <a:ext cx="9327517" cy="5498911"/>
           </a:xfrm>
           <a:prstGeom prst="rect">
             <a:avLst/>
@@ -20695,7 +20565,7 @@
     </p:spTree>
     <p:extLst>
       <p:ext uri="{BB962C8B-B14F-4D97-AF65-F5344CB8AC3E}">
-        <p14:creationId xmlns:p14="http://schemas.microsoft.com/office/powerpoint/2010/main" val="2949194163"/>
+        <p14:creationId xmlns:p14="http://schemas.microsoft.com/office/powerpoint/2010/main" val="1725566018"/>
       </p:ext>
     </p:extLst>
   </p:cSld>
@@ -20733,7 +20603,7 @@
     </p:spTree>
     <p:extLst>
       <p:ext uri="{BB962C8B-B14F-4D97-AF65-F5344CB8AC3E}">
-        <p14:creationId xmlns:p14="http://schemas.microsoft.com/office/powerpoint/2010/main" val="4234375305"/>
+        <p14:creationId xmlns:p14="http://schemas.microsoft.com/office/powerpoint/2010/main" val="1822806013"/>
       </p:ext>
     </p:extLst>
   </p:cSld>
@@ -20787,10 +20657,10 @@
       </p:sp>
       <p:pic>
         <p:nvPicPr>
-          <p:cNvPr id="5" name="Content Placeholder 4">
+          <p:cNvPr id="3" name="Content Placeholder 2">
             <a:extLst>
               <a:ext uri="{FF2B5EF4-FFF2-40B4-BE49-F238E27FC236}">
-                <a16:creationId xmlns:a16="http://schemas.microsoft.com/office/drawing/2014/main" id="{954D1823-3E20-41AB-A4CA-A3F662593E85}"/>
+                <a16:creationId xmlns:a16="http://schemas.microsoft.com/office/drawing/2014/main" id="{4947F2FF-2FCC-4AFE-A5E5-E06A85449A54}"/>
               </a:ext>
             </a:extLst>
           </p:cNvPr>
@@ -20809,8 +20679,8 @@
         </p:blipFill>
         <p:spPr>
           <a:xfrm>
-            <a:off x="2093843" y="1327150"/>
-            <a:ext cx="7540135" cy="5334204"/>
+            <a:off x="970088" y="2319131"/>
+            <a:ext cx="10251824" cy="3299791"/>
           </a:xfrm>
           <a:prstGeom prst="rect">
             <a:avLst/>
@@ -20820,7 +20690,7 @@
     </p:spTree>
     <p:extLst>
       <p:ext uri="{BB962C8B-B14F-4D97-AF65-F5344CB8AC3E}">
-        <p14:creationId xmlns:p14="http://schemas.microsoft.com/office/powerpoint/2010/main" val="224476391"/>
+        <p14:creationId xmlns:p14="http://schemas.microsoft.com/office/powerpoint/2010/main" val="3063134993"/>
       </p:ext>
     </p:extLst>
   </p:cSld>
@@ -20858,7 +20728,7 @@
     </p:spTree>
     <p:extLst>
       <p:ext uri="{BB962C8B-B14F-4D97-AF65-F5344CB8AC3E}">
-        <p14:creationId xmlns:p14="http://schemas.microsoft.com/office/powerpoint/2010/main" val="2756033325"/>
+        <p14:creationId xmlns:p14="http://schemas.microsoft.com/office/powerpoint/2010/main" val="67093154"/>
       </p:ext>
     </p:extLst>
   </p:cSld>
@@ -20869,544 +20739,6 @@
 </file>
 
 <file path=ppt/slides/slide48.xml><?xml version="1.0" encoding="utf-8"?>
-<p:sld xmlns:a="http://schemas.openxmlformats.org/drawingml/2006/main" xmlns:r="http://schemas.openxmlformats.org/officeDocument/2006/relationships" xmlns:p="http://schemas.openxmlformats.org/presentationml/2006/main">
-  <p:cSld>
-    <p:spTree>
-      <p:nvGrpSpPr>
-        <p:cNvPr id="1" name=""/>
-        <p:cNvGrpSpPr/>
-        <p:nvPr/>
-      </p:nvGrpSpPr>
-      <p:grpSpPr>
-        <a:xfrm>
-          <a:off x="0" y="0"/>
-          <a:ext cx="0" cy="0"/>
-          <a:chOff x="0" y="0"/>
-          <a:chExt cx="0" cy="0"/>
-        </a:xfrm>
-      </p:grpSpPr>
-      <p:sp>
-        <p:nvSpPr>
-          <p:cNvPr id="2" name="Title 1">
-            <a:extLst>
-              <a:ext uri="{FF2B5EF4-FFF2-40B4-BE49-F238E27FC236}">
-                <a16:creationId xmlns:a16="http://schemas.microsoft.com/office/drawing/2014/main" id="{A26DF1FD-B8A9-4478-AA35-3449A8C9A665}"/>
-              </a:ext>
-            </a:extLst>
-          </p:cNvPr>
-          <p:cNvSpPr>
-            <a:spLocks noGrp="1"/>
-          </p:cNvSpPr>
-          <p:nvPr>
-            <p:ph type="title"/>
-          </p:nvPr>
-        </p:nvSpPr>
-        <p:spPr/>
-        <p:txBody>
-          <a:bodyPr/>
-          <a:lstStyle/>
-          <a:p>
-            <a:endParaRPr lang="en-US"/>
-          </a:p>
-        </p:txBody>
-      </p:sp>
-      <p:pic>
-        <p:nvPicPr>
-          <p:cNvPr id="3" name="Content Placeholder 2">
-            <a:extLst>
-              <a:ext uri="{FF2B5EF4-FFF2-40B4-BE49-F238E27FC236}">
-                <a16:creationId xmlns:a16="http://schemas.microsoft.com/office/drawing/2014/main" id="{A55BB0D4-41F3-44C8-BAFB-C143C016AC8C}"/>
-              </a:ext>
-            </a:extLst>
-          </p:cNvPr>
-          <p:cNvPicPr>
-            <a:picLocks noGrp="1" noChangeAspect="1"/>
-          </p:cNvPicPr>
-          <p:nvPr>
-            <p:ph idx="1"/>
-          </p:nvPr>
-        </p:nvPicPr>
-        <p:blipFill>
-          <a:blip r:embed="rId2"/>
-          <a:stretch>
-            <a:fillRect/>
-          </a:stretch>
-        </p:blipFill>
-        <p:spPr>
-          <a:xfrm>
-            <a:off x="1154954" y="539163"/>
-            <a:ext cx="9882094" cy="6103489"/>
-          </a:xfrm>
-          <a:prstGeom prst="rect">
-            <a:avLst/>
-          </a:prstGeom>
-        </p:spPr>
-      </p:pic>
-    </p:spTree>
-    <p:extLst>
-      <p:ext uri="{BB962C8B-B14F-4D97-AF65-F5344CB8AC3E}">
-        <p14:creationId xmlns:p14="http://schemas.microsoft.com/office/powerpoint/2010/main" val="1215176017"/>
-      </p:ext>
-    </p:extLst>
-  </p:cSld>
-  <p:clrMapOvr>
-    <a:masterClrMapping/>
-  </p:clrMapOvr>
-</p:sld>
-</file>
-
-<file path=ppt/slides/slide49.xml><?xml version="1.0" encoding="utf-8"?>
-<p:sld xmlns:a="http://schemas.openxmlformats.org/drawingml/2006/main" xmlns:r="http://schemas.openxmlformats.org/officeDocument/2006/relationships" xmlns:p="http://schemas.openxmlformats.org/presentationml/2006/main">
-  <p:cSld>
-    <p:bg>
-      <p:bgPr>
-        <a:solidFill>
-          <a:schemeClr val="tx1"/>
-        </a:solidFill>
-        <a:effectLst/>
-      </p:bgPr>
-    </p:bg>
-    <p:spTree>
-      <p:nvGrpSpPr>
-        <p:cNvPr id="1" name=""/>
-        <p:cNvGrpSpPr/>
-        <p:nvPr/>
-      </p:nvGrpSpPr>
-      <p:grpSpPr>
-        <a:xfrm>
-          <a:off x="0" y="0"/>
-          <a:ext cx="0" cy="0"/>
-          <a:chOff x="0" y="0"/>
-          <a:chExt cx="0" cy="0"/>
-        </a:xfrm>
-      </p:grpSpPr>
-    </p:spTree>
-    <p:extLst>
-      <p:ext uri="{BB962C8B-B14F-4D97-AF65-F5344CB8AC3E}">
-        <p14:creationId xmlns:p14="http://schemas.microsoft.com/office/powerpoint/2010/main" val="3831898817"/>
-      </p:ext>
-    </p:extLst>
-  </p:cSld>
-  <p:clrMapOvr>
-    <a:masterClrMapping/>
-  </p:clrMapOvr>
-</p:sld>
-</file>
-
-<file path=ppt/slides/slide5.xml><?xml version="1.0" encoding="utf-8"?>
-<p:sld xmlns:a="http://schemas.openxmlformats.org/drawingml/2006/main" xmlns:r="http://schemas.openxmlformats.org/officeDocument/2006/relationships" xmlns:p="http://schemas.openxmlformats.org/presentationml/2006/main">
-  <p:cSld>
-    <p:bg>
-      <p:bgPr>
-        <a:solidFill>
-          <a:schemeClr val="tx1"/>
-        </a:solidFill>
-        <a:effectLst/>
-      </p:bgPr>
-    </p:bg>
-    <p:spTree>
-      <p:nvGrpSpPr>
-        <p:cNvPr id="1" name=""/>
-        <p:cNvGrpSpPr/>
-        <p:nvPr/>
-      </p:nvGrpSpPr>
-      <p:grpSpPr>
-        <a:xfrm>
-          <a:off x="0" y="0"/>
-          <a:ext cx="0" cy="0"/>
-          <a:chOff x="0" y="0"/>
-          <a:chExt cx="0" cy="0"/>
-        </a:xfrm>
-      </p:grpSpPr>
-    </p:spTree>
-    <p:extLst>
-      <p:ext uri="{BB962C8B-B14F-4D97-AF65-F5344CB8AC3E}">
-        <p14:creationId xmlns:p14="http://schemas.microsoft.com/office/powerpoint/2010/main" val="502432947"/>
-      </p:ext>
-    </p:extLst>
-  </p:cSld>
-  <p:clrMapOvr>
-    <a:masterClrMapping/>
-  </p:clrMapOvr>
-</p:sld>
-</file>
-
-<file path=ppt/slides/slide50.xml><?xml version="1.0" encoding="utf-8"?>
-<p:sld xmlns:a="http://schemas.openxmlformats.org/drawingml/2006/main" xmlns:r="http://schemas.openxmlformats.org/officeDocument/2006/relationships" xmlns:p="http://schemas.openxmlformats.org/presentationml/2006/main">
-  <p:cSld>
-    <p:spTree>
-      <p:nvGrpSpPr>
-        <p:cNvPr id="1" name=""/>
-        <p:cNvGrpSpPr/>
-        <p:nvPr/>
-      </p:nvGrpSpPr>
-      <p:grpSpPr>
-        <a:xfrm>
-          <a:off x="0" y="0"/>
-          <a:ext cx="0" cy="0"/>
-          <a:chOff x="0" y="0"/>
-          <a:chExt cx="0" cy="0"/>
-        </a:xfrm>
-      </p:grpSpPr>
-      <p:sp>
-        <p:nvSpPr>
-          <p:cNvPr id="2" name="Title 1">
-            <a:extLst>
-              <a:ext uri="{FF2B5EF4-FFF2-40B4-BE49-F238E27FC236}">
-                <a16:creationId xmlns:a16="http://schemas.microsoft.com/office/drawing/2014/main" id="{A26DF1FD-B8A9-4478-AA35-3449A8C9A665}"/>
-              </a:ext>
-            </a:extLst>
-          </p:cNvPr>
-          <p:cNvSpPr>
-            <a:spLocks noGrp="1"/>
-          </p:cNvSpPr>
-          <p:nvPr>
-            <p:ph type="title"/>
-          </p:nvPr>
-        </p:nvSpPr>
-        <p:spPr/>
-        <p:txBody>
-          <a:bodyPr/>
-          <a:lstStyle/>
-          <a:p>
-            <a:endParaRPr lang="en-US"/>
-          </a:p>
-        </p:txBody>
-      </p:sp>
-      <p:pic>
-        <p:nvPicPr>
-          <p:cNvPr id="3" name="Content Placeholder 2">
-            <a:extLst>
-              <a:ext uri="{FF2B5EF4-FFF2-40B4-BE49-F238E27FC236}">
-                <a16:creationId xmlns:a16="http://schemas.microsoft.com/office/drawing/2014/main" id="{05976F3F-84B3-40FB-8A8D-9A5012DA6B8C}"/>
-              </a:ext>
-            </a:extLst>
-          </p:cNvPr>
-          <p:cNvPicPr>
-            <a:picLocks noGrp="1" noChangeAspect="1"/>
-          </p:cNvPicPr>
-          <p:nvPr>
-            <p:ph idx="1"/>
-          </p:nvPr>
-        </p:nvPicPr>
-        <p:blipFill>
-          <a:blip r:embed="rId2"/>
-          <a:stretch>
-            <a:fillRect/>
-          </a:stretch>
-        </p:blipFill>
-        <p:spPr>
-          <a:xfrm>
-            <a:off x="596349" y="973668"/>
-            <a:ext cx="10440698" cy="5046087"/>
-          </a:xfrm>
-          <a:prstGeom prst="rect">
-            <a:avLst/>
-          </a:prstGeom>
-        </p:spPr>
-      </p:pic>
-    </p:spTree>
-    <p:extLst>
-      <p:ext uri="{BB962C8B-B14F-4D97-AF65-F5344CB8AC3E}">
-        <p14:creationId xmlns:p14="http://schemas.microsoft.com/office/powerpoint/2010/main" val="1836453090"/>
-      </p:ext>
-    </p:extLst>
-  </p:cSld>
-  <p:clrMapOvr>
-    <a:masterClrMapping/>
-  </p:clrMapOvr>
-</p:sld>
-</file>
-
-<file path=ppt/slides/slide51.xml><?xml version="1.0" encoding="utf-8"?>
-<p:sld xmlns:a="http://schemas.openxmlformats.org/drawingml/2006/main" xmlns:r="http://schemas.openxmlformats.org/officeDocument/2006/relationships" xmlns:p="http://schemas.openxmlformats.org/presentationml/2006/main">
-  <p:cSld>
-    <p:bg>
-      <p:bgPr>
-        <a:solidFill>
-          <a:schemeClr val="tx1"/>
-        </a:solidFill>
-        <a:effectLst/>
-      </p:bgPr>
-    </p:bg>
-    <p:spTree>
-      <p:nvGrpSpPr>
-        <p:cNvPr id="1" name=""/>
-        <p:cNvGrpSpPr/>
-        <p:nvPr/>
-      </p:nvGrpSpPr>
-      <p:grpSpPr>
-        <a:xfrm>
-          <a:off x="0" y="0"/>
-          <a:ext cx="0" cy="0"/>
-          <a:chOff x="0" y="0"/>
-          <a:chExt cx="0" cy="0"/>
-        </a:xfrm>
-      </p:grpSpPr>
-    </p:spTree>
-    <p:extLst>
-      <p:ext uri="{BB962C8B-B14F-4D97-AF65-F5344CB8AC3E}">
-        <p14:creationId xmlns:p14="http://schemas.microsoft.com/office/powerpoint/2010/main" val="1426968413"/>
-      </p:ext>
-    </p:extLst>
-  </p:cSld>
-  <p:clrMapOvr>
-    <a:masterClrMapping/>
-  </p:clrMapOvr>
-</p:sld>
-</file>
-
-<file path=ppt/slides/slide52.xml><?xml version="1.0" encoding="utf-8"?>
-<p:sld xmlns:a="http://schemas.openxmlformats.org/drawingml/2006/main" xmlns:r="http://schemas.openxmlformats.org/officeDocument/2006/relationships" xmlns:p="http://schemas.openxmlformats.org/presentationml/2006/main">
-  <p:cSld>
-    <p:spTree>
-      <p:nvGrpSpPr>
-        <p:cNvPr id="1" name=""/>
-        <p:cNvGrpSpPr/>
-        <p:nvPr/>
-      </p:nvGrpSpPr>
-      <p:grpSpPr>
-        <a:xfrm>
-          <a:off x="0" y="0"/>
-          <a:ext cx="0" cy="0"/>
-          <a:chOff x="0" y="0"/>
-          <a:chExt cx="0" cy="0"/>
-        </a:xfrm>
-      </p:grpSpPr>
-      <p:sp>
-        <p:nvSpPr>
-          <p:cNvPr id="2" name="Title 1">
-            <a:extLst>
-              <a:ext uri="{FF2B5EF4-FFF2-40B4-BE49-F238E27FC236}">
-                <a16:creationId xmlns:a16="http://schemas.microsoft.com/office/drawing/2014/main" id="{A26DF1FD-B8A9-4478-AA35-3449A8C9A665}"/>
-              </a:ext>
-            </a:extLst>
-          </p:cNvPr>
-          <p:cNvSpPr>
-            <a:spLocks noGrp="1"/>
-          </p:cNvSpPr>
-          <p:nvPr>
-            <p:ph type="title"/>
-          </p:nvPr>
-        </p:nvSpPr>
-        <p:spPr/>
-        <p:txBody>
-          <a:bodyPr/>
-          <a:lstStyle/>
-          <a:p>
-            <a:endParaRPr lang="en-US"/>
-          </a:p>
-        </p:txBody>
-      </p:sp>
-      <p:pic>
-        <p:nvPicPr>
-          <p:cNvPr id="3" name="Content Placeholder 2">
-            <a:extLst>
-              <a:ext uri="{FF2B5EF4-FFF2-40B4-BE49-F238E27FC236}">
-                <a16:creationId xmlns:a16="http://schemas.microsoft.com/office/drawing/2014/main" id="{7825B95A-7A83-4CB4-83D3-794782CAA4FE}"/>
-              </a:ext>
-            </a:extLst>
-          </p:cNvPr>
-          <p:cNvPicPr>
-            <a:picLocks noGrp="1" noChangeAspect="1"/>
-          </p:cNvPicPr>
-          <p:nvPr>
-            <p:ph idx="1"/>
-          </p:nvPr>
-        </p:nvPicPr>
-        <p:blipFill>
-          <a:blip r:embed="rId2"/>
-          <a:stretch>
-            <a:fillRect/>
-          </a:stretch>
-        </p:blipFill>
-        <p:spPr>
-          <a:xfrm>
-            <a:off x="1154953" y="890842"/>
-            <a:ext cx="9327517" cy="5498911"/>
-          </a:xfrm>
-          <a:prstGeom prst="rect">
-            <a:avLst/>
-          </a:prstGeom>
-        </p:spPr>
-      </p:pic>
-    </p:spTree>
-    <p:extLst>
-      <p:ext uri="{BB962C8B-B14F-4D97-AF65-F5344CB8AC3E}">
-        <p14:creationId xmlns:p14="http://schemas.microsoft.com/office/powerpoint/2010/main" val="1725566018"/>
-      </p:ext>
-    </p:extLst>
-  </p:cSld>
-  <p:clrMapOvr>
-    <a:masterClrMapping/>
-  </p:clrMapOvr>
-</p:sld>
-</file>
-
-<file path=ppt/slides/slide53.xml><?xml version="1.0" encoding="utf-8"?>
-<p:sld xmlns:a="http://schemas.openxmlformats.org/drawingml/2006/main" xmlns:r="http://schemas.openxmlformats.org/officeDocument/2006/relationships" xmlns:p="http://schemas.openxmlformats.org/presentationml/2006/main">
-  <p:cSld>
-    <p:bg>
-      <p:bgPr>
-        <a:solidFill>
-          <a:schemeClr val="tx1"/>
-        </a:solidFill>
-        <a:effectLst/>
-      </p:bgPr>
-    </p:bg>
-    <p:spTree>
-      <p:nvGrpSpPr>
-        <p:cNvPr id="1" name=""/>
-        <p:cNvGrpSpPr/>
-        <p:nvPr/>
-      </p:nvGrpSpPr>
-      <p:grpSpPr>
-        <a:xfrm>
-          <a:off x="0" y="0"/>
-          <a:ext cx="0" cy="0"/>
-          <a:chOff x="0" y="0"/>
-          <a:chExt cx="0" cy="0"/>
-        </a:xfrm>
-      </p:grpSpPr>
-    </p:spTree>
-    <p:extLst>
-      <p:ext uri="{BB962C8B-B14F-4D97-AF65-F5344CB8AC3E}">
-        <p14:creationId xmlns:p14="http://schemas.microsoft.com/office/powerpoint/2010/main" val="1822806013"/>
-      </p:ext>
-    </p:extLst>
-  </p:cSld>
-  <p:clrMapOvr>
-    <a:masterClrMapping/>
-  </p:clrMapOvr>
-</p:sld>
-</file>
-
-<file path=ppt/slides/slide54.xml><?xml version="1.0" encoding="utf-8"?>
-<p:sld xmlns:a="http://schemas.openxmlformats.org/drawingml/2006/main" xmlns:r="http://schemas.openxmlformats.org/officeDocument/2006/relationships" xmlns:p="http://schemas.openxmlformats.org/presentationml/2006/main">
-  <p:cSld>
-    <p:spTree>
-      <p:nvGrpSpPr>
-        <p:cNvPr id="1" name=""/>
-        <p:cNvGrpSpPr/>
-        <p:nvPr/>
-      </p:nvGrpSpPr>
-      <p:grpSpPr>
-        <a:xfrm>
-          <a:off x="0" y="0"/>
-          <a:ext cx="0" cy="0"/>
-          <a:chOff x="0" y="0"/>
-          <a:chExt cx="0" cy="0"/>
-        </a:xfrm>
-      </p:grpSpPr>
-      <p:sp>
-        <p:nvSpPr>
-          <p:cNvPr id="2" name="Title 1">
-            <a:extLst>
-              <a:ext uri="{FF2B5EF4-FFF2-40B4-BE49-F238E27FC236}">
-                <a16:creationId xmlns:a16="http://schemas.microsoft.com/office/drawing/2014/main" id="{A26DF1FD-B8A9-4478-AA35-3449A8C9A665}"/>
-              </a:ext>
-            </a:extLst>
-          </p:cNvPr>
-          <p:cNvSpPr>
-            <a:spLocks noGrp="1"/>
-          </p:cNvSpPr>
-          <p:nvPr>
-            <p:ph type="title"/>
-          </p:nvPr>
-        </p:nvSpPr>
-        <p:spPr/>
-        <p:txBody>
-          <a:bodyPr/>
-          <a:lstStyle/>
-          <a:p>
-            <a:endParaRPr lang="en-US"/>
-          </a:p>
-        </p:txBody>
-      </p:sp>
-      <p:pic>
-        <p:nvPicPr>
-          <p:cNvPr id="3" name="Content Placeholder 2">
-            <a:extLst>
-              <a:ext uri="{FF2B5EF4-FFF2-40B4-BE49-F238E27FC236}">
-                <a16:creationId xmlns:a16="http://schemas.microsoft.com/office/drawing/2014/main" id="{4947F2FF-2FCC-4AFE-A5E5-E06A85449A54}"/>
-              </a:ext>
-            </a:extLst>
-          </p:cNvPr>
-          <p:cNvPicPr>
-            <a:picLocks noGrp="1" noChangeAspect="1"/>
-          </p:cNvPicPr>
-          <p:nvPr>
-            <p:ph idx="1"/>
-          </p:nvPr>
-        </p:nvPicPr>
-        <p:blipFill>
-          <a:blip r:embed="rId2"/>
-          <a:stretch>
-            <a:fillRect/>
-          </a:stretch>
-        </p:blipFill>
-        <p:spPr>
-          <a:xfrm>
-            <a:off x="970088" y="2319131"/>
-            <a:ext cx="10251824" cy="3299791"/>
-          </a:xfrm>
-          <a:prstGeom prst="rect">
-            <a:avLst/>
-          </a:prstGeom>
-        </p:spPr>
-      </p:pic>
-    </p:spTree>
-    <p:extLst>
-      <p:ext uri="{BB962C8B-B14F-4D97-AF65-F5344CB8AC3E}">
-        <p14:creationId xmlns:p14="http://schemas.microsoft.com/office/powerpoint/2010/main" val="3063134993"/>
-      </p:ext>
-    </p:extLst>
-  </p:cSld>
-  <p:clrMapOvr>
-    <a:masterClrMapping/>
-  </p:clrMapOvr>
-</p:sld>
-</file>
-
-<file path=ppt/slides/slide55.xml><?xml version="1.0" encoding="utf-8"?>
-<p:sld xmlns:a="http://schemas.openxmlformats.org/drawingml/2006/main" xmlns:r="http://schemas.openxmlformats.org/officeDocument/2006/relationships" xmlns:p="http://schemas.openxmlformats.org/presentationml/2006/main">
-  <p:cSld>
-    <p:bg>
-      <p:bgPr>
-        <a:solidFill>
-          <a:schemeClr val="tx1"/>
-        </a:solidFill>
-        <a:effectLst/>
-      </p:bgPr>
-    </p:bg>
-    <p:spTree>
-      <p:nvGrpSpPr>
-        <p:cNvPr id="1" name=""/>
-        <p:cNvGrpSpPr/>
-        <p:nvPr/>
-      </p:nvGrpSpPr>
-      <p:grpSpPr>
-        <a:xfrm>
-          <a:off x="0" y="0"/>
-          <a:ext cx="0" cy="0"/>
-          <a:chOff x="0" y="0"/>
-          <a:chExt cx="0" cy="0"/>
-        </a:xfrm>
-      </p:grpSpPr>
-    </p:spTree>
-    <p:extLst>
-      <p:ext uri="{BB962C8B-B14F-4D97-AF65-F5344CB8AC3E}">
-        <p14:creationId xmlns:p14="http://schemas.microsoft.com/office/powerpoint/2010/main" val="67093154"/>
-      </p:ext>
-    </p:extLst>
-  </p:cSld>
-  <p:clrMapOvr>
-    <a:masterClrMapping/>
-  </p:clrMapOvr>
-</p:sld>
-</file>
-
-<file path=ppt/slides/slide56.xml><?xml version="1.0" encoding="utf-8"?>
 <p:sld xmlns:a="http://schemas.openxmlformats.org/drawingml/2006/main" xmlns:r="http://schemas.openxmlformats.org/officeDocument/2006/relationships" xmlns:p="http://schemas.openxmlformats.org/presentationml/2006/main">
   <p:cSld>
     <p:spTree>
@@ -21514,6 +20846,44 @@
     <p:extLst>
       <p:ext uri="{BB962C8B-B14F-4D97-AF65-F5344CB8AC3E}">
         <p14:creationId xmlns:p14="http://schemas.microsoft.com/office/powerpoint/2010/main" val="971123641"/>
+      </p:ext>
+    </p:extLst>
+  </p:cSld>
+  <p:clrMapOvr>
+    <a:masterClrMapping/>
+  </p:clrMapOvr>
+</p:sld>
+</file>
+
+<file path=ppt/slides/slide5.xml><?xml version="1.0" encoding="utf-8"?>
+<p:sld xmlns:a="http://schemas.openxmlformats.org/drawingml/2006/main" xmlns:r="http://schemas.openxmlformats.org/officeDocument/2006/relationships" xmlns:p="http://schemas.openxmlformats.org/presentationml/2006/main">
+  <p:cSld>
+    <p:bg>
+      <p:bgPr>
+        <a:solidFill>
+          <a:schemeClr val="tx1"/>
+        </a:solidFill>
+        <a:effectLst/>
+      </p:bgPr>
+    </p:bg>
+    <p:spTree>
+      <p:nvGrpSpPr>
+        <p:cNvPr id="1" name=""/>
+        <p:cNvGrpSpPr/>
+        <p:nvPr/>
+      </p:nvGrpSpPr>
+      <p:grpSpPr>
+        <a:xfrm>
+          <a:off x="0" y="0"/>
+          <a:ext cx="0" cy="0"/>
+          <a:chOff x="0" y="0"/>
+          <a:chExt cx="0" cy="0"/>
+        </a:xfrm>
+      </p:grpSpPr>
+    </p:spTree>
+    <p:extLst>
+      <p:ext uri="{BB962C8B-B14F-4D97-AF65-F5344CB8AC3E}">
+        <p14:creationId xmlns:p14="http://schemas.microsoft.com/office/powerpoint/2010/main" val="502432947"/>
       </p:ext>
     </p:extLst>
   </p:cSld>

--- a/documents/Jonathan Almawi Python Web Scrapper Tutorial Powerpoint.pptx
+++ b/documents/Jonathan Almawi Python Web Scrapper Tutorial Powerpoint.pptx
@@ -7,53 +7,54 @@
   </p:sldMasterIdLst>
   <p:sldIdLst>
     <p:sldId id="256" r:id="rId3"/>
-    <p:sldId id="257" r:id="rId4"/>
-    <p:sldId id="287" r:id="rId5"/>
-    <p:sldId id="258" r:id="rId6"/>
-    <p:sldId id="289" r:id="rId7"/>
-    <p:sldId id="259" r:id="rId8"/>
-    <p:sldId id="288" r:id="rId9"/>
-    <p:sldId id="261" r:id="rId10"/>
-    <p:sldId id="290" r:id="rId11"/>
-    <p:sldId id="262" r:id="rId12"/>
-    <p:sldId id="291" r:id="rId13"/>
-    <p:sldId id="263" r:id="rId14"/>
-    <p:sldId id="295" r:id="rId15"/>
-    <p:sldId id="268" r:id="rId16"/>
-    <p:sldId id="296" r:id="rId17"/>
-    <p:sldId id="267" r:id="rId18"/>
-    <p:sldId id="298" r:id="rId19"/>
-    <p:sldId id="270" r:id="rId20"/>
-    <p:sldId id="299" r:id="rId21"/>
-    <p:sldId id="271" r:id="rId22"/>
-    <p:sldId id="300" r:id="rId23"/>
-    <p:sldId id="275" r:id="rId24"/>
-    <p:sldId id="301" r:id="rId25"/>
-    <p:sldId id="276" r:id="rId26"/>
-    <p:sldId id="302" r:id="rId27"/>
-    <p:sldId id="274" r:id="rId28"/>
-    <p:sldId id="303" r:id="rId29"/>
-    <p:sldId id="272" r:id="rId30"/>
-    <p:sldId id="304" r:id="rId31"/>
-    <p:sldId id="273" r:id="rId32"/>
-    <p:sldId id="305" r:id="rId33"/>
-    <p:sldId id="277" r:id="rId34"/>
-    <p:sldId id="306" r:id="rId35"/>
-    <p:sldId id="278" r:id="rId36"/>
-    <p:sldId id="307" r:id="rId37"/>
-    <p:sldId id="280" r:id="rId38"/>
-    <p:sldId id="308" r:id="rId39"/>
-    <p:sldId id="281" r:id="rId40"/>
-    <p:sldId id="309" r:id="rId41"/>
-    <p:sldId id="282" r:id="rId42"/>
-    <p:sldId id="310" r:id="rId43"/>
-    <p:sldId id="283" r:id="rId44"/>
-    <p:sldId id="311" r:id="rId45"/>
-    <p:sldId id="284" r:id="rId46"/>
-    <p:sldId id="312" r:id="rId47"/>
-    <p:sldId id="285" r:id="rId48"/>
-    <p:sldId id="313" r:id="rId49"/>
-    <p:sldId id="286" r:id="rId50"/>
+    <p:sldId id="314" r:id="rId4"/>
+    <p:sldId id="257" r:id="rId5"/>
+    <p:sldId id="287" r:id="rId6"/>
+    <p:sldId id="258" r:id="rId7"/>
+    <p:sldId id="289" r:id="rId8"/>
+    <p:sldId id="259" r:id="rId9"/>
+    <p:sldId id="288" r:id="rId10"/>
+    <p:sldId id="261" r:id="rId11"/>
+    <p:sldId id="290" r:id="rId12"/>
+    <p:sldId id="262" r:id="rId13"/>
+    <p:sldId id="291" r:id="rId14"/>
+    <p:sldId id="263" r:id="rId15"/>
+    <p:sldId id="295" r:id="rId16"/>
+    <p:sldId id="268" r:id="rId17"/>
+    <p:sldId id="296" r:id="rId18"/>
+    <p:sldId id="267" r:id="rId19"/>
+    <p:sldId id="298" r:id="rId20"/>
+    <p:sldId id="270" r:id="rId21"/>
+    <p:sldId id="299" r:id="rId22"/>
+    <p:sldId id="271" r:id="rId23"/>
+    <p:sldId id="300" r:id="rId24"/>
+    <p:sldId id="275" r:id="rId25"/>
+    <p:sldId id="301" r:id="rId26"/>
+    <p:sldId id="276" r:id="rId27"/>
+    <p:sldId id="302" r:id="rId28"/>
+    <p:sldId id="274" r:id="rId29"/>
+    <p:sldId id="303" r:id="rId30"/>
+    <p:sldId id="272" r:id="rId31"/>
+    <p:sldId id="304" r:id="rId32"/>
+    <p:sldId id="273" r:id="rId33"/>
+    <p:sldId id="305" r:id="rId34"/>
+    <p:sldId id="277" r:id="rId35"/>
+    <p:sldId id="306" r:id="rId36"/>
+    <p:sldId id="278" r:id="rId37"/>
+    <p:sldId id="307" r:id="rId38"/>
+    <p:sldId id="280" r:id="rId39"/>
+    <p:sldId id="308" r:id="rId40"/>
+    <p:sldId id="281" r:id="rId41"/>
+    <p:sldId id="309" r:id="rId42"/>
+    <p:sldId id="282" r:id="rId43"/>
+    <p:sldId id="310" r:id="rId44"/>
+    <p:sldId id="283" r:id="rId45"/>
+    <p:sldId id="311" r:id="rId46"/>
+    <p:sldId id="284" r:id="rId47"/>
+    <p:sldId id="312" r:id="rId48"/>
+    <p:sldId id="285" r:id="rId49"/>
+    <p:sldId id="313" r:id="rId50"/>
+    <p:sldId id="286" r:id="rId51"/>
   </p:sldIdLst>
   <p:sldSz cx="12192000" cy="6858000"/>
   <p:notesSz cx="6858000" cy="9144000"/>
@@ -807,7 +808,7 @@
             <a:fld id="{1E700B27-DE4C-4B9E-BB11-B9027034A00F}" type="datetimeFigureOut">
               <a:rPr lang="en-US" dirty="0"/>
               <a:pPr/>
-              <a:t>2/23/2020</a:t>
+              <a:t>2/24/2020</a:t>
             </a:fld>
             <a:endParaRPr lang="en-US" dirty="0"/>
           </a:p>
@@ -1923,7 +1924,7 @@
           <a:p>
             <a:fld id="{C40F4739-9812-4A9F-890D-2AD6BA5F6EE8}" type="datetimeFigureOut">
               <a:rPr lang="en-US" dirty="0"/>
-              <a:t>2/23/2020</a:t>
+              <a:t>2/24/2020</a:t>
             </a:fld>
             <a:endParaRPr lang="en-US" dirty="0"/>
           </a:p>
@@ -2930,7 +2931,7 @@
           <a:p>
             <a:fld id="{18845AC5-A3F8-44AA-BA8F-596CDCC976D3}" type="datetimeFigureOut">
               <a:rPr lang="en-US" dirty="0"/>
-              <a:t>2/23/2020</a:t>
+              <a:t>2/24/2020</a:t>
             </a:fld>
             <a:endParaRPr lang="en-US" dirty="0"/>
           </a:p>
@@ -4096,7 +4097,7 @@
           <a:p>
             <a:fld id="{C873B183-A821-4095-A363-9EC968635539}" type="datetimeFigureOut">
               <a:rPr lang="en-US" dirty="0"/>
-              <a:t>2/23/2020</a:t>
+              <a:t>2/24/2020</a:t>
             </a:fld>
             <a:endParaRPr lang="en-US" dirty="0"/>
           </a:p>
@@ -5153,7 +5154,7 @@
           <a:p>
             <a:fld id="{174D01B4-0AA5-45E6-B2E6-5FA4078AEBCF}" type="datetimeFigureOut">
               <a:rPr lang="en-US" dirty="0"/>
-              <a:t>2/23/2020</a:t>
+              <a:t>2/24/2020</a:t>
             </a:fld>
             <a:endParaRPr lang="en-US" dirty="0"/>
           </a:p>
@@ -5795,7 +5796,7 @@
           <a:p>
             <a:fld id="{4147335C-0450-40D7-8612-B3203BED4F28}" type="datetimeFigureOut">
               <a:rPr lang="en-US" dirty="0"/>
-              <a:t>2/23/2020</a:t>
+              <a:t>2/24/2020</a:t>
             </a:fld>
             <a:endParaRPr lang="en-US" dirty="0"/>
           </a:p>
@@ -6638,7 +6639,7 @@
           <a:p>
             <a:fld id="{D246A105-2A1C-4284-B4EA-07CF89B1A393}" type="datetimeFigureOut">
               <a:rPr lang="en-US" dirty="0"/>
-              <a:t>2/23/2020</a:t>
+              <a:t>2/24/2020</a:t>
             </a:fld>
             <a:endParaRPr lang="en-US" dirty="0"/>
           </a:p>
@@ -6809,7 +6810,7 @@
           <a:p>
             <a:fld id="{80DBE609-F3F2-45E6-BD6A-E03A8C86C1AE}" type="datetimeFigureOut">
               <a:rPr lang="en-US" dirty="0"/>
-              <a:t>2/23/2020</a:t>
+              <a:t>2/24/2020</a:t>
             </a:fld>
             <a:endParaRPr lang="en-US" dirty="0"/>
           </a:p>
@@ -7803,7 +7804,7 @@
           <a:p>
             <a:fld id="{7A24AD68-089C-4467-A8F3-EA2BBCA6B44E}" type="datetimeFigureOut">
               <a:rPr lang="en-US" dirty="0"/>
-              <a:t>2/23/2020</a:t>
+              <a:t>2/24/2020</a:t>
             </a:fld>
             <a:endParaRPr lang="en-US" dirty="0"/>
           </a:p>
@@ -8264,7 +8265,7 @@
             <a:fld id="{1E700B27-DE4C-4B9E-BB11-B9027034A00F}" type="datetimeFigureOut">
               <a:rPr lang="en-US" smtClean="0"/>
               <a:pPr/>
-              <a:t>2/23/2020</a:t>
+              <a:t>2/24/2020</a:t>
             </a:fld>
             <a:endParaRPr lang="en-US" dirty="0"/>
           </a:p>
@@ -8507,7 +8508,7 @@
           <a:p>
             <a:fld id="{75C51FCE-E4BB-4680-8E50-3C0E348D2609}" type="datetimeFigureOut">
               <a:rPr lang="en-US" smtClean="0"/>
-              <a:t>2/23/2020</a:t>
+              <a:t>2/24/2020</a:t>
             </a:fld>
             <a:endParaRPr lang="en-US" dirty="0"/>
           </a:p>
@@ -8678,7 +8679,7 @@
           <a:p>
             <a:fld id="{75C51FCE-E4BB-4680-8E50-3C0E348D2609}" type="datetimeFigureOut">
               <a:rPr lang="en-US" dirty="0"/>
-              <a:t>2/23/2020</a:t>
+              <a:t>2/24/2020</a:t>
             </a:fld>
             <a:endParaRPr lang="en-US" dirty="0"/>
           </a:p>
@@ -9165,7 +9166,7 @@
           <a:p>
             <a:fld id="{8AAA073D-A903-47F8-8D16-77642FB0DF1F}" type="datetimeFigureOut">
               <a:rPr lang="en-US" smtClean="0"/>
-              <a:t>2/23/2020</a:t>
+              <a:t>2/24/2020</a:t>
             </a:fld>
             <a:endParaRPr lang="en-US" dirty="0"/>
           </a:p>
@@ -9476,7 +9477,7 @@
           <a:p>
             <a:fld id="{AB91FA40-626B-4CA1-85D0-7A9016E395BA}" type="datetimeFigureOut">
               <a:rPr lang="en-US" smtClean="0"/>
-              <a:t>2/23/2020</a:t>
+              <a:t>2/24/2020</a:t>
             </a:fld>
             <a:endParaRPr lang="en-US" dirty="0"/>
           </a:p>
@@ -9868,7 +9869,7 @@
           <a:p>
             <a:fld id="{C3F425EA-B9DC-48A7-991E-9A82573B1B21}" type="datetimeFigureOut">
               <a:rPr lang="en-US" smtClean="0"/>
-              <a:t>2/23/2020</a:t>
+              <a:t>2/24/2020</a:t>
             </a:fld>
             <a:endParaRPr lang="en-US" dirty="0"/>
           </a:p>
@@ -9987,7 +9988,7 @@
           <a:p>
             <a:fld id="{66CB97F8-6CEB-469B-AFCC-889F2A2B1D5A}" type="datetimeFigureOut">
               <a:rPr lang="en-US" smtClean="0"/>
-              <a:t>2/23/2020</a:t>
+              <a:t>2/24/2020</a:t>
             </a:fld>
             <a:endParaRPr lang="en-US" dirty="0"/>
           </a:p>
@@ -10083,7 +10084,7 @@
           <a:p>
             <a:fld id="{8FA9179F-009E-4FA5-B091-7EBB82A185BD}" type="datetimeFigureOut">
               <a:rPr lang="en-US" smtClean="0"/>
-              <a:t>2/23/2020</a:t>
+              <a:t>2/24/2020</a:t>
             </a:fld>
             <a:endParaRPr lang="en-US" dirty="0"/>
           </a:p>
@@ -10384,7 +10385,7 @@
           <a:p>
             <a:fld id="{8E665CEB-0076-4E37-B880-BCEA9784DE0A}" type="datetimeFigureOut">
               <a:rPr lang="en-US" smtClean="0"/>
-              <a:t>2/23/2020</a:t>
+              <a:t>2/24/2020</a:t>
             </a:fld>
             <a:endParaRPr lang="en-US" dirty="0"/>
           </a:p>
@@ -10650,7 +10651,7 @@
           <a:p>
             <a:fld id="{A6149E5E-3896-4118-99A7-7B85668F1C5E}" type="datetimeFigureOut">
               <a:rPr lang="en-US" smtClean="0"/>
-              <a:t>2/23/2020</a:t>
+              <a:t>2/24/2020</a:t>
             </a:fld>
             <a:endParaRPr lang="en-US" dirty="0"/>
           </a:p>
@@ -10826,7 +10827,7 @@
           <a:p>
             <a:fld id="{80DBE609-F3F2-45E6-BD6A-E03A8C86C1AE}" type="datetimeFigureOut">
               <a:rPr lang="en-US" smtClean="0"/>
-              <a:t>2/23/2020</a:t>
+              <a:t>2/24/2020</a:t>
             </a:fld>
             <a:endParaRPr lang="en-US" dirty="0"/>
           </a:p>
@@ -11213,7 +11214,7 @@
           <a:p>
             <a:fld id="{7A24AD68-089C-4467-A8F3-EA2BBCA6B44E}" type="datetimeFigureOut">
               <a:rPr lang="en-US" smtClean="0"/>
-              <a:t>2/23/2020</a:t>
+              <a:t>2/24/2020</a:t>
             </a:fld>
             <a:endParaRPr lang="en-US" dirty="0"/>
           </a:p>
@@ -12335,7 +12336,7 @@
           <a:p>
             <a:fld id="{8AAA073D-A903-47F8-8D16-77642FB0DF1F}" type="datetimeFigureOut">
               <a:rPr lang="en-US" dirty="0"/>
-              <a:t>2/23/2020</a:t>
+              <a:t>2/24/2020</a:t>
             </a:fld>
             <a:endParaRPr lang="en-US" dirty="0"/>
           </a:p>
@@ -12603,7 +12604,7 @@
           <a:p>
             <a:fld id="{AB91FA40-626B-4CA1-85D0-7A9016E395BA}" type="datetimeFigureOut">
               <a:rPr lang="en-US" dirty="0"/>
-              <a:t>2/23/2020</a:t>
+              <a:t>2/24/2020</a:t>
             </a:fld>
             <a:endParaRPr lang="en-US" dirty="0"/>
           </a:p>
@@ -12981,7 +12982,7 @@
           <a:p>
             <a:fld id="{C3F425EA-B9DC-48A7-991E-9A82573B1B21}" type="datetimeFigureOut">
               <a:rPr lang="en-US" dirty="0"/>
-              <a:t>2/23/2020</a:t>
+              <a:t>2/24/2020</a:t>
             </a:fld>
             <a:endParaRPr lang="en-US" dirty="0"/>
           </a:p>
@@ -13095,7 +13096,7 @@
           <a:p>
             <a:fld id="{66CB97F8-6CEB-469B-AFCC-889F2A2B1D5A}" type="datetimeFigureOut">
               <a:rPr lang="en-US" dirty="0"/>
-              <a:t>2/23/2020</a:t>
+              <a:t>2/24/2020</a:t>
             </a:fld>
             <a:endParaRPr lang="en-US" dirty="0"/>
           </a:p>
@@ -13186,7 +13187,7 @@
           <a:p>
             <a:fld id="{8FA9179F-009E-4FA5-B091-7EBB82A185BD}" type="datetimeFigureOut">
               <a:rPr lang="en-US" dirty="0"/>
-              <a:t>2/23/2020</a:t>
+              <a:t>2/24/2020</a:t>
             </a:fld>
             <a:endParaRPr lang="en-US" dirty="0"/>
           </a:p>
@@ -14291,7 +14292,7 @@
           <a:p>
             <a:fld id="{8E665CEB-0076-4E37-B880-BCEA9784DE0A}" type="datetimeFigureOut">
               <a:rPr lang="en-US" dirty="0"/>
-              <a:t>2/23/2020</a:t>
+              <a:t>2/24/2020</a:t>
             </a:fld>
             <a:endParaRPr lang="en-US" dirty="0"/>
           </a:p>
@@ -15420,7 +15421,7 @@
           <a:p>
             <a:fld id="{A6149E5E-3896-4118-99A7-7B85668F1C5E}" type="datetimeFigureOut">
               <a:rPr lang="en-US" dirty="0"/>
-              <a:t>2/23/2020</a:t>
+              <a:t>2/24/2020</a:t>
             </a:fld>
             <a:endParaRPr lang="en-US" dirty="0"/>
           </a:p>
@@ -16447,7 +16448,7 @@
           <a:p>
             <a:fld id="{7E0D914D-B099-4142-A885-11F276715148}" type="datetimeFigureOut">
               <a:rPr lang="en-US" dirty="0"/>
-              <a:t>2/23/2020</a:t>
+              <a:t>2/24/2020</a:t>
             </a:fld>
             <a:endParaRPr lang="en-US" dirty="0"/>
           </a:p>
@@ -17345,7 +17346,7 @@
           <a:p>
             <a:fld id="{7E0D914D-B099-4142-A885-11F276715148}" type="datetimeFigureOut">
               <a:rPr lang="en-US" smtClean="0"/>
-              <a:t>2/23/2020</a:t>
+              <a:t>2/24/2020</a:t>
             </a:fld>
             <a:endParaRPr lang="en-US" dirty="0"/>
           </a:p>
@@ -17924,6 +17925,44 @@
 <file path=ppt/slides/slide10.xml><?xml version="1.0" encoding="utf-8"?>
 <p:sld xmlns:a="http://schemas.openxmlformats.org/drawingml/2006/main" xmlns:r="http://schemas.openxmlformats.org/officeDocument/2006/relationships" xmlns:p="http://schemas.openxmlformats.org/presentationml/2006/main">
   <p:cSld>
+    <p:bg>
+      <p:bgPr>
+        <a:solidFill>
+          <a:schemeClr val="tx1"/>
+        </a:solidFill>
+        <a:effectLst/>
+      </p:bgPr>
+    </p:bg>
+    <p:spTree>
+      <p:nvGrpSpPr>
+        <p:cNvPr id="1" name=""/>
+        <p:cNvGrpSpPr/>
+        <p:nvPr/>
+      </p:nvGrpSpPr>
+      <p:grpSpPr>
+        <a:xfrm>
+          <a:off x="0" y="0"/>
+          <a:ext cx="0" cy="0"/>
+          <a:chOff x="0" y="0"/>
+          <a:chExt cx="0" cy="0"/>
+        </a:xfrm>
+      </p:grpSpPr>
+    </p:spTree>
+    <p:extLst>
+      <p:ext uri="{BB962C8B-B14F-4D97-AF65-F5344CB8AC3E}">
+        <p14:creationId xmlns:p14="http://schemas.microsoft.com/office/powerpoint/2010/main" val="2069173302"/>
+      </p:ext>
+    </p:extLst>
+  </p:cSld>
+  <p:clrMapOvr>
+    <a:masterClrMapping/>
+  </p:clrMapOvr>
+</p:sld>
+</file>
+
+<file path=ppt/slides/slide11.xml><?xml version="1.0" encoding="utf-8"?>
+<p:sld xmlns:a="http://schemas.openxmlformats.org/drawingml/2006/main" xmlns:r="http://schemas.openxmlformats.org/officeDocument/2006/relationships" xmlns:p="http://schemas.openxmlformats.org/presentationml/2006/main">
+  <p:cSld>
     <p:spTree>
       <p:nvGrpSpPr>
         <p:cNvPr id="1" name=""/>
@@ -18031,7 +18070,7 @@
 </p:sld>
 </file>
 
-<file path=ppt/slides/slide11.xml><?xml version="1.0" encoding="utf-8"?>
+<file path=ppt/slides/slide12.xml><?xml version="1.0" encoding="utf-8"?>
 <p:sld xmlns:a="http://schemas.openxmlformats.org/drawingml/2006/main" xmlns:r="http://schemas.openxmlformats.org/officeDocument/2006/relationships" xmlns:p="http://schemas.openxmlformats.org/presentationml/2006/main">
   <p:cSld>
     <p:bg>
@@ -18069,7 +18108,7 @@
 </p:sld>
 </file>
 
-<file path=ppt/slides/slide12.xml><?xml version="1.0" encoding="utf-8"?>
+<file path=ppt/slides/slide13.xml><?xml version="1.0" encoding="utf-8"?>
 <p:sld xmlns:a="http://schemas.openxmlformats.org/drawingml/2006/main" xmlns:r="http://schemas.openxmlformats.org/officeDocument/2006/relationships" xmlns:p="http://schemas.openxmlformats.org/presentationml/2006/main">
   <p:cSld>
     <p:spTree>
@@ -18156,7 +18195,7 @@
 </p:sld>
 </file>
 
-<file path=ppt/slides/slide13.xml><?xml version="1.0" encoding="utf-8"?>
+<file path=ppt/slides/slide14.xml><?xml version="1.0" encoding="utf-8"?>
 <p:sld xmlns:a="http://schemas.openxmlformats.org/drawingml/2006/main" xmlns:r="http://schemas.openxmlformats.org/officeDocument/2006/relationships" xmlns:p="http://schemas.openxmlformats.org/presentationml/2006/main">
   <p:cSld>
     <p:bg>
@@ -18194,7 +18233,7 @@
 </p:sld>
 </file>
 
-<file path=ppt/slides/slide14.xml><?xml version="1.0" encoding="utf-8"?>
+<file path=ppt/slides/slide15.xml><?xml version="1.0" encoding="utf-8"?>
 <p:sld xmlns:a="http://schemas.openxmlformats.org/drawingml/2006/main" xmlns:r="http://schemas.openxmlformats.org/officeDocument/2006/relationships" xmlns:p="http://schemas.openxmlformats.org/presentationml/2006/main">
   <p:cSld>
     <p:spTree>
@@ -18304,7 +18343,7 @@
 </p:sld>
 </file>
 
-<file path=ppt/slides/slide15.xml><?xml version="1.0" encoding="utf-8"?>
+<file path=ppt/slides/slide16.xml><?xml version="1.0" encoding="utf-8"?>
 <p:sld xmlns:a="http://schemas.openxmlformats.org/drawingml/2006/main" xmlns:r="http://schemas.openxmlformats.org/officeDocument/2006/relationships" xmlns:p="http://schemas.openxmlformats.org/presentationml/2006/main">
   <p:cSld>
     <p:bg>
@@ -18342,7 +18381,7 @@
 </p:sld>
 </file>
 
-<file path=ppt/slides/slide16.xml><?xml version="1.0" encoding="utf-8"?>
+<file path=ppt/slides/slide17.xml><?xml version="1.0" encoding="utf-8"?>
 <p:sld xmlns:a="http://schemas.openxmlformats.org/drawingml/2006/main" xmlns:r="http://schemas.openxmlformats.org/officeDocument/2006/relationships" xmlns:p="http://schemas.openxmlformats.org/presentationml/2006/main">
   <p:cSld>
     <p:spTree>
@@ -18429,7 +18468,7 @@
 </p:sld>
 </file>
 
-<file path=ppt/slides/slide17.xml><?xml version="1.0" encoding="utf-8"?>
+<file path=ppt/slides/slide18.xml><?xml version="1.0" encoding="utf-8"?>
 <p:sld xmlns:a="http://schemas.openxmlformats.org/drawingml/2006/main" xmlns:r="http://schemas.openxmlformats.org/officeDocument/2006/relationships" xmlns:p="http://schemas.openxmlformats.org/presentationml/2006/main">
   <p:cSld>
     <p:bg>
@@ -18467,7 +18506,7 @@
 </p:sld>
 </file>
 
-<file path=ppt/slides/slide18.xml><?xml version="1.0" encoding="utf-8"?>
+<file path=ppt/slides/slide19.xml><?xml version="1.0" encoding="utf-8"?>
 <p:sld xmlns:a="http://schemas.openxmlformats.org/drawingml/2006/main" xmlns:r="http://schemas.openxmlformats.org/officeDocument/2006/relationships" xmlns:p="http://schemas.openxmlformats.org/presentationml/2006/main">
   <p:cSld>
     <p:spTree>
@@ -18577,7 +18616,45 @@
 </p:sld>
 </file>
 
-<file path=ppt/slides/slide19.xml><?xml version="1.0" encoding="utf-8"?>
+<file path=ppt/slides/slide2.xml><?xml version="1.0" encoding="utf-8"?>
+<p:sld xmlns:a="http://schemas.openxmlformats.org/drawingml/2006/main" xmlns:r="http://schemas.openxmlformats.org/officeDocument/2006/relationships" xmlns:p="http://schemas.openxmlformats.org/presentationml/2006/main">
+  <p:cSld>
+    <p:bg>
+      <p:bgPr>
+        <a:solidFill>
+          <a:schemeClr val="tx1"/>
+        </a:solidFill>
+        <a:effectLst/>
+      </p:bgPr>
+    </p:bg>
+    <p:spTree>
+      <p:nvGrpSpPr>
+        <p:cNvPr id="1" name=""/>
+        <p:cNvGrpSpPr/>
+        <p:nvPr/>
+      </p:nvGrpSpPr>
+      <p:grpSpPr>
+        <a:xfrm>
+          <a:off x="0" y="0"/>
+          <a:ext cx="0" cy="0"/>
+          <a:chOff x="0" y="0"/>
+          <a:chExt cx="0" cy="0"/>
+        </a:xfrm>
+      </p:grpSpPr>
+    </p:spTree>
+    <p:extLst>
+      <p:ext uri="{BB962C8B-B14F-4D97-AF65-F5344CB8AC3E}">
+        <p14:creationId xmlns:p14="http://schemas.microsoft.com/office/powerpoint/2010/main" val="2579688894"/>
+      </p:ext>
+    </p:extLst>
+  </p:cSld>
+  <p:clrMapOvr>
+    <a:masterClrMapping/>
+  </p:clrMapOvr>
+</p:sld>
+</file>
+
+<file path=ppt/slides/slide20.xml><?xml version="1.0" encoding="utf-8"?>
 <p:sld xmlns:a="http://schemas.openxmlformats.org/drawingml/2006/main" xmlns:r="http://schemas.openxmlformats.org/officeDocument/2006/relationships" xmlns:p="http://schemas.openxmlformats.org/presentationml/2006/main">
   <p:cSld>
     <p:bg>
@@ -18615,94 +18692,7 @@
 </p:sld>
 </file>
 
-<file path=ppt/slides/slide2.xml><?xml version="1.0" encoding="utf-8"?>
-<p:sld xmlns:a="http://schemas.openxmlformats.org/drawingml/2006/main" xmlns:r="http://schemas.openxmlformats.org/officeDocument/2006/relationships" xmlns:p="http://schemas.openxmlformats.org/presentationml/2006/main">
-  <p:cSld>
-    <p:spTree>
-      <p:nvGrpSpPr>
-        <p:cNvPr id="1" name=""/>
-        <p:cNvGrpSpPr/>
-        <p:nvPr/>
-      </p:nvGrpSpPr>
-      <p:grpSpPr>
-        <a:xfrm>
-          <a:off x="0" y="0"/>
-          <a:ext cx="0" cy="0"/>
-          <a:chOff x="0" y="0"/>
-          <a:chExt cx="0" cy="0"/>
-        </a:xfrm>
-      </p:grpSpPr>
-      <p:sp>
-        <p:nvSpPr>
-          <p:cNvPr id="2" name="Title 1">
-            <a:extLst>
-              <a:ext uri="{FF2B5EF4-FFF2-40B4-BE49-F238E27FC236}">
-                <a16:creationId xmlns:a16="http://schemas.microsoft.com/office/drawing/2014/main" id="{A26DF1FD-B8A9-4478-AA35-3449A8C9A665}"/>
-              </a:ext>
-            </a:extLst>
-          </p:cNvPr>
-          <p:cNvSpPr>
-            <a:spLocks noGrp="1"/>
-          </p:cNvSpPr>
-          <p:nvPr>
-            <p:ph type="title"/>
-          </p:nvPr>
-        </p:nvSpPr>
-        <p:spPr/>
-        <p:txBody>
-          <a:bodyPr/>
-          <a:lstStyle/>
-          <a:p>
-            <a:endParaRPr lang="en-US"/>
-          </a:p>
-        </p:txBody>
-      </p:sp>
-      <p:pic>
-        <p:nvPicPr>
-          <p:cNvPr id="4" name="Content Placeholder 3">
-            <a:extLst>
-              <a:ext uri="{FF2B5EF4-FFF2-40B4-BE49-F238E27FC236}">
-                <a16:creationId xmlns:a16="http://schemas.microsoft.com/office/drawing/2014/main" id="{CC0AE6DF-3D29-45FD-9752-FD04B363F5CE}"/>
-              </a:ext>
-            </a:extLst>
-          </p:cNvPr>
-          <p:cNvPicPr>
-            <a:picLocks noGrp="1" noChangeAspect="1"/>
-          </p:cNvPicPr>
-          <p:nvPr>
-            <p:ph idx="1"/>
-          </p:nvPr>
-        </p:nvPicPr>
-        <p:blipFill>
-          <a:blip r:embed="rId2"/>
-          <a:stretch>
-            <a:fillRect/>
-          </a:stretch>
-        </p:blipFill>
-        <p:spPr>
-          <a:xfrm>
-            <a:off x="2901516" y="1680632"/>
-            <a:ext cx="5268285" cy="4523374"/>
-          </a:xfrm>
-          <a:prstGeom prst="rect">
-            <a:avLst/>
-          </a:prstGeom>
-        </p:spPr>
-      </p:pic>
-    </p:spTree>
-    <p:extLst>
-      <p:ext uri="{BB962C8B-B14F-4D97-AF65-F5344CB8AC3E}">
-        <p14:creationId xmlns:p14="http://schemas.microsoft.com/office/powerpoint/2010/main" val="140196187"/>
-      </p:ext>
-    </p:extLst>
-  </p:cSld>
-  <p:clrMapOvr>
-    <a:masterClrMapping/>
-  </p:clrMapOvr>
-</p:sld>
-</file>
-
-<file path=ppt/slides/slide20.xml><?xml version="1.0" encoding="utf-8"?>
+<file path=ppt/slides/slide21.xml><?xml version="1.0" encoding="utf-8"?>
 <p:sld xmlns:a="http://schemas.openxmlformats.org/drawingml/2006/main" xmlns:r="http://schemas.openxmlformats.org/officeDocument/2006/relationships" xmlns:p="http://schemas.openxmlformats.org/presentationml/2006/main">
   <p:cSld>
     <p:spTree>
@@ -18812,7 +18802,7 @@
 </p:sld>
 </file>
 
-<file path=ppt/slides/slide21.xml><?xml version="1.0" encoding="utf-8"?>
+<file path=ppt/slides/slide22.xml><?xml version="1.0" encoding="utf-8"?>
 <p:sld xmlns:a="http://schemas.openxmlformats.org/drawingml/2006/main" xmlns:r="http://schemas.openxmlformats.org/officeDocument/2006/relationships" xmlns:p="http://schemas.openxmlformats.org/presentationml/2006/main">
   <p:cSld>
     <p:bg>
@@ -18850,7 +18840,7 @@
 </p:sld>
 </file>
 
-<file path=ppt/slides/slide22.xml><?xml version="1.0" encoding="utf-8"?>
+<file path=ppt/slides/slide23.xml><?xml version="1.0" encoding="utf-8"?>
 <p:sld xmlns:a="http://schemas.openxmlformats.org/drawingml/2006/main" xmlns:r="http://schemas.openxmlformats.org/officeDocument/2006/relationships" xmlns:p="http://schemas.openxmlformats.org/presentationml/2006/main">
   <p:cSld>
     <p:spTree>
@@ -18937,7 +18927,7 @@
 </p:sld>
 </file>
 
-<file path=ppt/slides/slide23.xml><?xml version="1.0" encoding="utf-8"?>
+<file path=ppt/slides/slide24.xml><?xml version="1.0" encoding="utf-8"?>
 <p:sld xmlns:a="http://schemas.openxmlformats.org/drawingml/2006/main" xmlns:r="http://schemas.openxmlformats.org/officeDocument/2006/relationships" xmlns:p="http://schemas.openxmlformats.org/presentationml/2006/main">
   <p:cSld>
     <p:bg>
@@ -18975,7 +18965,7 @@
 </p:sld>
 </file>
 
-<file path=ppt/slides/slide24.xml><?xml version="1.0" encoding="utf-8"?>
+<file path=ppt/slides/slide25.xml><?xml version="1.0" encoding="utf-8"?>
 <p:sld xmlns:a="http://schemas.openxmlformats.org/drawingml/2006/main" xmlns:r="http://schemas.openxmlformats.org/officeDocument/2006/relationships" xmlns:p="http://schemas.openxmlformats.org/presentationml/2006/main">
   <p:cSld>
     <p:spTree>
@@ -19085,7 +19075,7 @@
 </p:sld>
 </file>
 
-<file path=ppt/slides/slide25.xml><?xml version="1.0" encoding="utf-8"?>
+<file path=ppt/slides/slide26.xml><?xml version="1.0" encoding="utf-8"?>
 <p:sld xmlns:a="http://schemas.openxmlformats.org/drawingml/2006/main" xmlns:r="http://schemas.openxmlformats.org/officeDocument/2006/relationships" xmlns:p="http://schemas.openxmlformats.org/presentationml/2006/main">
   <p:cSld>
     <p:bg>
@@ -19123,7 +19113,7 @@
 </p:sld>
 </file>
 
-<file path=ppt/slides/slide26.xml><?xml version="1.0" encoding="utf-8"?>
+<file path=ppt/slides/slide27.xml><?xml version="1.0" encoding="utf-8"?>
 <p:sld xmlns:a="http://schemas.openxmlformats.org/drawingml/2006/main" xmlns:r="http://schemas.openxmlformats.org/officeDocument/2006/relationships" xmlns:p="http://schemas.openxmlformats.org/presentationml/2006/main">
   <p:cSld>
     <p:spTree>
@@ -19233,7 +19223,7 @@
 </p:sld>
 </file>
 
-<file path=ppt/slides/slide27.xml><?xml version="1.0" encoding="utf-8"?>
+<file path=ppt/slides/slide28.xml><?xml version="1.0" encoding="utf-8"?>
 <p:sld xmlns:a="http://schemas.openxmlformats.org/drawingml/2006/main" xmlns:r="http://schemas.openxmlformats.org/officeDocument/2006/relationships" xmlns:p="http://schemas.openxmlformats.org/presentationml/2006/main">
   <p:cSld>
     <p:bg>
@@ -19271,7 +19261,7 @@
 </p:sld>
 </file>
 
-<file path=ppt/slides/slide28.xml><?xml version="1.0" encoding="utf-8"?>
+<file path=ppt/slides/slide29.xml><?xml version="1.0" encoding="utf-8"?>
 <p:sld xmlns:a="http://schemas.openxmlformats.org/drawingml/2006/main" xmlns:r="http://schemas.openxmlformats.org/officeDocument/2006/relationships" xmlns:p="http://schemas.openxmlformats.org/presentationml/2006/main">
   <p:cSld>
     <p:spTree>
@@ -19381,7 +19371,94 @@
 </p:sld>
 </file>
 
-<file path=ppt/slides/slide29.xml><?xml version="1.0" encoding="utf-8"?>
+<file path=ppt/slides/slide3.xml><?xml version="1.0" encoding="utf-8"?>
+<p:sld xmlns:a="http://schemas.openxmlformats.org/drawingml/2006/main" xmlns:r="http://schemas.openxmlformats.org/officeDocument/2006/relationships" xmlns:p="http://schemas.openxmlformats.org/presentationml/2006/main">
+  <p:cSld>
+    <p:spTree>
+      <p:nvGrpSpPr>
+        <p:cNvPr id="1" name=""/>
+        <p:cNvGrpSpPr/>
+        <p:nvPr/>
+      </p:nvGrpSpPr>
+      <p:grpSpPr>
+        <a:xfrm>
+          <a:off x="0" y="0"/>
+          <a:ext cx="0" cy="0"/>
+          <a:chOff x="0" y="0"/>
+          <a:chExt cx="0" cy="0"/>
+        </a:xfrm>
+      </p:grpSpPr>
+      <p:sp>
+        <p:nvSpPr>
+          <p:cNvPr id="2" name="Title 1">
+            <a:extLst>
+              <a:ext uri="{FF2B5EF4-FFF2-40B4-BE49-F238E27FC236}">
+                <a16:creationId xmlns:a16="http://schemas.microsoft.com/office/drawing/2014/main" id="{A26DF1FD-B8A9-4478-AA35-3449A8C9A665}"/>
+              </a:ext>
+            </a:extLst>
+          </p:cNvPr>
+          <p:cNvSpPr>
+            <a:spLocks noGrp="1"/>
+          </p:cNvSpPr>
+          <p:nvPr>
+            <p:ph type="title"/>
+          </p:nvPr>
+        </p:nvSpPr>
+        <p:spPr/>
+        <p:txBody>
+          <a:bodyPr/>
+          <a:lstStyle/>
+          <a:p>
+            <a:endParaRPr lang="en-US"/>
+          </a:p>
+        </p:txBody>
+      </p:sp>
+      <p:pic>
+        <p:nvPicPr>
+          <p:cNvPr id="4" name="Content Placeholder 3">
+            <a:extLst>
+              <a:ext uri="{FF2B5EF4-FFF2-40B4-BE49-F238E27FC236}">
+                <a16:creationId xmlns:a16="http://schemas.microsoft.com/office/drawing/2014/main" id="{CC0AE6DF-3D29-45FD-9752-FD04B363F5CE}"/>
+              </a:ext>
+            </a:extLst>
+          </p:cNvPr>
+          <p:cNvPicPr>
+            <a:picLocks noGrp="1" noChangeAspect="1"/>
+          </p:cNvPicPr>
+          <p:nvPr>
+            <p:ph idx="1"/>
+          </p:nvPr>
+        </p:nvPicPr>
+        <p:blipFill>
+          <a:blip r:embed="rId2"/>
+          <a:stretch>
+            <a:fillRect/>
+          </a:stretch>
+        </p:blipFill>
+        <p:spPr>
+          <a:xfrm>
+            <a:off x="2901516" y="1680632"/>
+            <a:ext cx="5268285" cy="4523374"/>
+          </a:xfrm>
+          <a:prstGeom prst="rect">
+            <a:avLst/>
+          </a:prstGeom>
+        </p:spPr>
+      </p:pic>
+    </p:spTree>
+    <p:extLst>
+      <p:ext uri="{BB962C8B-B14F-4D97-AF65-F5344CB8AC3E}">
+        <p14:creationId xmlns:p14="http://schemas.microsoft.com/office/powerpoint/2010/main" val="140196187"/>
+      </p:ext>
+    </p:extLst>
+  </p:cSld>
+  <p:clrMapOvr>
+    <a:masterClrMapping/>
+  </p:clrMapOvr>
+</p:sld>
+</file>
+
+<file path=ppt/slides/slide30.xml><?xml version="1.0" encoding="utf-8"?>
 <p:sld xmlns:a="http://schemas.openxmlformats.org/drawingml/2006/main" xmlns:r="http://schemas.openxmlformats.org/officeDocument/2006/relationships" xmlns:p="http://schemas.openxmlformats.org/presentationml/2006/main">
   <p:cSld>
     <p:bg>
@@ -19419,45 +19496,7 @@
 </p:sld>
 </file>
 
-<file path=ppt/slides/slide3.xml><?xml version="1.0" encoding="utf-8"?>
-<p:sld xmlns:a="http://schemas.openxmlformats.org/drawingml/2006/main" xmlns:r="http://schemas.openxmlformats.org/officeDocument/2006/relationships" xmlns:p="http://schemas.openxmlformats.org/presentationml/2006/main">
-  <p:cSld>
-    <p:bg>
-      <p:bgPr>
-        <a:solidFill>
-          <a:schemeClr val="tx1"/>
-        </a:solidFill>
-        <a:effectLst/>
-      </p:bgPr>
-    </p:bg>
-    <p:spTree>
-      <p:nvGrpSpPr>
-        <p:cNvPr id="1" name=""/>
-        <p:cNvGrpSpPr/>
-        <p:nvPr/>
-      </p:nvGrpSpPr>
-      <p:grpSpPr>
-        <a:xfrm>
-          <a:off x="0" y="0"/>
-          <a:ext cx="0" cy="0"/>
-          <a:chOff x="0" y="0"/>
-          <a:chExt cx="0" cy="0"/>
-        </a:xfrm>
-      </p:grpSpPr>
-    </p:spTree>
-    <p:extLst>
-      <p:ext uri="{BB962C8B-B14F-4D97-AF65-F5344CB8AC3E}">
-        <p14:creationId xmlns:p14="http://schemas.microsoft.com/office/powerpoint/2010/main" val="745475595"/>
-      </p:ext>
-    </p:extLst>
-  </p:cSld>
-  <p:clrMapOvr>
-    <a:masterClrMapping/>
-  </p:clrMapOvr>
-</p:sld>
-</file>
-
-<file path=ppt/slides/slide30.xml><?xml version="1.0" encoding="utf-8"?>
+<file path=ppt/slides/slide31.xml><?xml version="1.0" encoding="utf-8"?>
 <p:sld xmlns:a="http://schemas.openxmlformats.org/drawingml/2006/main" xmlns:r="http://schemas.openxmlformats.org/officeDocument/2006/relationships" xmlns:p="http://schemas.openxmlformats.org/presentationml/2006/main">
   <p:cSld>
     <p:spTree>
@@ -19544,7 +19583,7 @@
 </p:sld>
 </file>
 
-<file path=ppt/slides/slide31.xml><?xml version="1.0" encoding="utf-8"?>
+<file path=ppt/slides/slide32.xml><?xml version="1.0" encoding="utf-8"?>
 <p:sld xmlns:a="http://schemas.openxmlformats.org/drawingml/2006/main" xmlns:r="http://schemas.openxmlformats.org/officeDocument/2006/relationships" xmlns:p="http://schemas.openxmlformats.org/presentationml/2006/main">
   <p:cSld>
     <p:bg>
@@ -19582,7 +19621,7 @@
 </p:sld>
 </file>
 
-<file path=ppt/slides/slide32.xml><?xml version="1.0" encoding="utf-8"?>
+<file path=ppt/slides/slide33.xml><?xml version="1.0" encoding="utf-8"?>
 <p:sld xmlns:a="http://schemas.openxmlformats.org/drawingml/2006/main" xmlns:r="http://schemas.openxmlformats.org/officeDocument/2006/relationships" xmlns:p="http://schemas.openxmlformats.org/presentationml/2006/main">
   <p:cSld>
     <p:spTree>
@@ -19692,7 +19731,7 @@
 </p:sld>
 </file>
 
-<file path=ppt/slides/slide33.xml><?xml version="1.0" encoding="utf-8"?>
+<file path=ppt/slides/slide34.xml><?xml version="1.0" encoding="utf-8"?>
 <p:sld xmlns:a="http://schemas.openxmlformats.org/drawingml/2006/main" xmlns:r="http://schemas.openxmlformats.org/officeDocument/2006/relationships" xmlns:p="http://schemas.openxmlformats.org/presentationml/2006/main">
   <p:cSld>
     <p:bg>
@@ -19730,7 +19769,7 @@
 </p:sld>
 </file>
 
-<file path=ppt/slides/slide34.xml><?xml version="1.0" encoding="utf-8"?>
+<file path=ppt/slides/slide35.xml><?xml version="1.0" encoding="utf-8"?>
 <p:sld xmlns:a="http://schemas.openxmlformats.org/drawingml/2006/main" xmlns:r="http://schemas.openxmlformats.org/officeDocument/2006/relationships" xmlns:p="http://schemas.openxmlformats.org/presentationml/2006/main">
   <p:cSld>
     <p:spTree>
@@ -19817,7 +19856,7 @@
 </p:sld>
 </file>
 
-<file path=ppt/slides/slide35.xml><?xml version="1.0" encoding="utf-8"?>
+<file path=ppt/slides/slide36.xml><?xml version="1.0" encoding="utf-8"?>
 <p:sld xmlns:a="http://schemas.openxmlformats.org/drawingml/2006/main" xmlns:r="http://schemas.openxmlformats.org/officeDocument/2006/relationships" xmlns:p="http://schemas.openxmlformats.org/presentationml/2006/main">
   <p:cSld>
     <p:bg>
@@ -19855,7 +19894,7 @@
 </p:sld>
 </file>
 
-<file path=ppt/slides/slide36.xml><?xml version="1.0" encoding="utf-8"?>
+<file path=ppt/slides/slide37.xml><?xml version="1.0" encoding="utf-8"?>
 <p:sld xmlns:a="http://schemas.openxmlformats.org/drawingml/2006/main" xmlns:r="http://schemas.openxmlformats.org/officeDocument/2006/relationships" xmlns:p="http://schemas.openxmlformats.org/presentationml/2006/main">
   <p:cSld>
     <p:spTree>
@@ -19965,7 +20004,7 @@
 </p:sld>
 </file>
 
-<file path=ppt/slides/slide37.xml><?xml version="1.0" encoding="utf-8"?>
+<file path=ppt/slides/slide38.xml><?xml version="1.0" encoding="utf-8"?>
 <p:sld xmlns:a="http://schemas.openxmlformats.org/drawingml/2006/main" xmlns:r="http://schemas.openxmlformats.org/officeDocument/2006/relationships" xmlns:p="http://schemas.openxmlformats.org/presentationml/2006/main">
   <p:cSld>
     <p:bg>
@@ -20003,7 +20042,7 @@
 </p:sld>
 </file>
 
-<file path=ppt/slides/slide38.xml><?xml version="1.0" encoding="utf-8"?>
+<file path=ppt/slides/slide39.xml><?xml version="1.0" encoding="utf-8"?>
 <p:sld xmlns:a="http://schemas.openxmlformats.org/drawingml/2006/main" xmlns:r="http://schemas.openxmlformats.org/officeDocument/2006/relationships" xmlns:p="http://schemas.openxmlformats.org/presentationml/2006/main">
   <p:cSld>
     <p:spTree>
@@ -20090,7 +20129,45 @@
 </p:sld>
 </file>
 
-<file path=ppt/slides/slide39.xml><?xml version="1.0" encoding="utf-8"?>
+<file path=ppt/slides/slide4.xml><?xml version="1.0" encoding="utf-8"?>
+<p:sld xmlns:a="http://schemas.openxmlformats.org/drawingml/2006/main" xmlns:r="http://schemas.openxmlformats.org/officeDocument/2006/relationships" xmlns:p="http://schemas.openxmlformats.org/presentationml/2006/main">
+  <p:cSld>
+    <p:bg>
+      <p:bgPr>
+        <a:solidFill>
+          <a:schemeClr val="tx1"/>
+        </a:solidFill>
+        <a:effectLst/>
+      </p:bgPr>
+    </p:bg>
+    <p:spTree>
+      <p:nvGrpSpPr>
+        <p:cNvPr id="1" name=""/>
+        <p:cNvGrpSpPr/>
+        <p:nvPr/>
+      </p:nvGrpSpPr>
+      <p:grpSpPr>
+        <a:xfrm>
+          <a:off x="0" y="0"/>
+          <a:ext cx="0" cy="0"/>
+          <a:chOff x="0" y="0"/>
+          <a:chExt cx="0" cy="0"/>
+        </a:xfrm>
+      </p:grpSpPr>
+    </p:spTree>
+    <p:extLst>
+      <p:ext uri="{BB962C8B-B14F-4D97-AF65-F5344CB8AC3E}">
+        <p14:creationId xmlns:p14="http://schemas.microsoft.com/office/powerpoint/2010/main" val="745475595"/>
+      </p:ext>
+    </p:extLst>
+  </p:cSld>
+  <p:clrMapOvr>
+    <a:masterClrMapping/>
+  </p:clrMapOvr>
+</p:sld>
+</file>
+
+<file path=ppt/slides/slide40.xml><?xml version="1.0" encoding="utf-8"?>
 <p:sld xmlns:a="http://schemas.openxmlformats.org/drawingml/2006/main" xmlns:r="http://schemas.openxmlformats.org/officeDocument/2006/relationships" xmlns:p="http://schemas.openxmlformats.org/presentationml/2006/main">
   <p:cSld>
     <p:bg>
@@ -20128,117 +20205,7 @@
 </p:sld>
 </file>
 
-<file path=ppt/slides/slide4.xml><?xml version="1.0" encoding="utf-8"?>
-<p:sld xmlns:a="http://schemas.openxmlformats.org/drawingml/2006/main" xmlns:r="http://schemas.openxmlformats.org/officeDocument/2006/relationships" xmlns:p="http://schemas.openxmlformats.org/presentationml/2006/main">
-  <p:cSld>
-    <p:spTree>
-      <p:nvGrpSpPr>
-        <p:cNvPr id="1" name=""/>
-        <p:cNvGrpSpPr/>
-        <p:nvPr/>
-      </p:nvGrpSpPr>
-      <p:grpSpPr>
-        <a:xfrm>
-          <a:off x="0" y="0"/>
-          <a:ext cx="0" cy="0"/>
-          <a:chOff x="0" y="0"/>
-          <a:chExt cx="0" cy="0"/>
-        </a:xfrm>
-      </p:grpSpPr>
-      <p:sp>
-        <p:nvSpPr>
-          <p:cNvPr id="2" name="Title 1">
-            <a:extLst>
-              <a:ext uri="{FF2B5EF4-FFF2-40B4-BE49-F238E27FC236}">
-                <a16:creationId xmlns:a16="http://schemas.microsoft.com/office/drawing/2014/main" id="{A26DF1FD-B8A9-4478-AA35-3449A8C9A665}"/>
-              </a:ext>
-            </a:extLst>
-          </p:cNvPr>
-          <p:cNvSpPr>
-            <a:spLocks noGrp="1"/>
-          </p:cNvSpPr>
-          <p:nvPr>
-            <p:ph type="title"/>
-          </p:nvPr>
-        </p:nvSpPr>
-        <p:spPr/>
-        <p:txBody>
-          <a:bodyPr/>
-          <a:lstStyle/>
-          <a:p>
-            <a:endParaRPr lang="en-US"/>
-          </a:p>
-        </p:txBody>
-      </p:sp>
-      <p:sp>
-        <p:nvSpPr>
-          <p:cNvPr id="5" name="Content Placeholder 4">
-            <a:extLst>
-              <a:ext uri="{FF2B5EF4-FFF2-40B4-BE49-F238E27FC236}">
-                <a16:creationId xmlns:a16="http://schemas.microsoft.com/office/drawing/2014/main" id="{066C7695-1594-47E9-B358-E73CD622F28E}"/>
-              </a:ext>
-            </a:extLst>
-          </p:cNvPr>
-          <p:cNvSpPr>
-            <a:spLocks noGrp="1"/>
-          </p:cNvSpPr>
-          <p:nvPr>
-            <p:ph idx="1"/>
-          </p:nvPr>
-        </p:nvSpPr>
-        <p:spPr/>
-        <p:txBody>
-          <a:bodyPr/>
-          <a:lstStyle/>
-          <a:p>
-            <a:endParaRPr lang="en-US"/>
-          </a:p>
-        </p:txBody>
-      </p:sp>
-      <p:pic>
-        <p:nvPicPr>
-          <p:cNvPr id="6" name="Picture 5">
-            <a:extLst>
-              <a:ext uri="{FF2B5EF4-FFF2-40B4-BE49-F238E27FC236}">
-                <a16:creationId xmlns:a16="http://schemas.microsoft.com/office/drawing/2014/main" id="{5333712C-6F2B-438C-9782-F58384BE342A}"/>
-              </a:ext>
-            </a:extLst>
-          </p:cNvPr>
-          <p:cNvPicPr>
-            <a:picLocks noChangeAspect="1"/>
-          </p:cNvPicPr>
-          <p:nvPr/>
-        </p:nvPicPr>
-        <p:blipFill>
-          <a:blip r:embed="rId2"/>
-          <a:stretch>
-            <a:fillRect/>
-          </a:stretch>
-        </p:blipFill>
-        <p:spPr>
-          <a:xfrm>
-            <a:off x="2130804" y="838200"/>
-            <a:ext cx="7444224" cy="5488463"/>
-          </a:xfrm>
-          <a:prstGeom prst="rect">
-            <a:avLst/>
-          </a:prstGeom>
-        </p:spPr>
-      </p:pic>
-    </p:spTree>
-    <p:extLst>
-      <p:ext uri="{BB962C8B-B14F-4D97-AF65-F5344CB8AC3E}">
-        <p14:creationId xmlns:p14="http://schemas.microsoft.com/office/powerpoint/2010/main" val="1032372176"/>
-      </p:ext>
-    </p:extLst>
-  </p:cSld>
-  <p:clrMapOvr>
-    <a:masterClrMapping/>
-  </p:clrMapOvr>
-</p:sld>
-</file>
-
-<file path=ppt/slides/slide40.xml><?xml version="1.0" encoding="utf-8"?>
+<file path=ppt/slides/slide41.xml><?xml version="1.0" encoding="utf-8"?>
 <p:sld xmlns:a="http://schemas.openxmlformats.org/drawingml/2006/main" xmlns:r="http://schemas.openxmlformats.org/officeDocument/2006/relationships" xmlns:p="http://schemas.openxmlformats.org/presentationml/2006/main">
   <p:cSld>
     <p:spTree>
@@ -20325,7 +20292,7 @@
 </p:sld>
 </file>
 
-<file path=ppt/slides/slide41.xml><?xml version="1.0" encoding="utf-8"?>
+<file path=ppt/slides/slide42.xml><?xml version="1.0" encoding="utf-8"?>
 <p:sld xmlns:a="http://schemas.openxmlformats.org/drawingml/2006/main" xmlns:r="http://schemas.openxmlformats.org/officeDocument/2006/relationships" xmlns:p="http://schemas.openxmlformats.org/presentationml/2006/main">
   <p:cSld>
     <p:bg>
@@ -20363,7 +20330,7 @@
 </p:sld>
 </file>
 
-<file path=ppt/slides/slide42.xml><?xml version="1.0" encoding="utf-8"?>
+<file path=ppt/slides/slide43.xml><?xml version="1.0" encoding="utf-8"?>
 <p:sld xmlns:a="http://schemas.openxmlformats.org/drawingml/2006/main" xmlns:r="http://schemas.openxmlformats.org/officeDocument/2006/relationships" xmlns:p="http://schemas.openxmlformats.org/presentationml/2006/main">
   <p:cSld>
     <p:spTree>
@@ -20450,7 +20417,7 @@
 </p:sld>
 </file>
 
-<file path=ppt/slides/slide43.xml><?xml version="1.0" encoding="utf-8"?>
+<file path=ppt/slides/slide44.xml><?xml version="1.0" encoding="utf-8"?>
 <p:sld xmlns:a="http://schemas.openxmlformats.org/drawingml/2006/main" xmlns:r="http://schemas.openxmlformats.org/officeDocument/2006/relationships" xmlns:p="http://schemas.openxmlformats.org/presentationml/2006/main">
   <p:cSld>
     <p:bg>
@@ -20488,7 +20455,7 @@
 </p:sld>
 </file>
 
-<file path=ppt/slides/slide44.xml><?xml version="1.0" encoding="utf-8"?>
+<file path=ppt/slides/slide45.xml><?xml version="1.0" encoding="utf-8"?>
 <p:sld xmlns:a="http://schemas.openxmlformats.org/drawingml/2006/main" xmlns:r="http://schemas.openxmlformats.org/officeDocument/2006/relationships" xmlns:p="http://schemas.openxmlformats.org/presentationml/2006/main">
   <p:cSld>
     <p:spTree>
@@ -20575,7 +20542,7 @@
 </p:sld>
 </file>
 
-<file path=ppt/slides/slide45.xml><?xml version="1.0" encoding="utf-8"?>
+<file path=ppt/slides/slide46.xml><?xml version="1.0" encoding="utf-8"?>
 <p:sld xmlns:a="http://schemas.openxmlformats.org/drawingml/2006/main" xmlns:r="http://schemas.openxmlformats.org/officeDocument/2006/relationships" xmlns:p="http://schemas.openxmlformats.org/presentationml/2006/main">
   <p:cSld>
     <p:bg>
@@ -20613,7 +20580,7 @@
 </p:sld>
 </file>
 
-<file path=ppt/slides/slide46.xml><?xml version="1.0" encoding="utf-8"?>
+<file path=ppt/slides/slide47.xml><?xml version="1.0" encoding="utf-8"?>
 <p:sld xmlns:a="http://schemas.openxmlformats.org/drawingml/2006/main" xmlns:r="http://schemas.openxmlformats.org/officeDocument/2006/relationships" xmlns:p="http://schemas.openxmlformats.org/presentationml/2006/main">
   <p:cSld>
     <p:spTree>
@@ -20700,7 +20667,7 @@
 </p:sld>
 </file>
 
-<file path=ppt/slides/slide47.xml><?xml version="1.0" encoding="utf-8"?>
+<file path=ppt/slides/slide48.xml><?xml version="1.0" encoding="utf-8"?>
 <p:sld xmlns:a="http://schemas.openxmlformats.org/drawingml/2006/main" xmlns:r="http://schemas.openxmlformats.org/officeDocument/2006/relationships" xmlns:p="http://schemas.openxmlformats.org/presentationml/2006/main">
   <p:cSld>
     <p:bg>
@@ -20738,7 +20705,7 @@
 </p:sld>
 </file>
 
-<file path=ppt/slides/slide48.xml><?xml version="1.0" encoding="utf-8"?>
+<file path=ppt/slides/slide49.xml><?xml version="1.0" encoding="utf-8"?>
 <p:sld xmlns:a="http://schemas.openxmlformats.org/drawingml/2006/main" xmlns:r="http://schemas.openxmlformats.org/officeDocument/2006/relationships" xmlns:p="http://schemas.openxmlformats.org/presentationml/2006/main">
   <p:cSld>
     <p:spTree>
@@ -20858,6 +20825,116 @@
 <file path=ppt/slides/slide5.xml><?xml version="1.0" encoding="utf-8"?>
 <p:sld xmlns:a="http://schemas.openxmlformats.org/drawingml/2006/main" xmlns:r="http://schemas.openxmlformats.org/officeDocument/2006/relationships" xmlns:p="http://schemas.openxmlformats.org/presentationml/2006/main">
   <p:cSld>
+    <p:spTree>
+      <p:nvGrpSpPr>
+        <p:cNvPr id="1" name=""/>
+        <p:cNvGrpSpPr/>
+        <p:nvPr/>
+      </p:nvGrpSpPr>
+      <p:grpSpPr>
+        <a:xfrm>
+          <a:off x="0" y="0"/>
+          <a:ext cx="0" cy="0"/>
+          <a:chOff x="0" y="0"/>
+          <a:chExt cx="0" cy="0"/>
+        </a:xfrm>
+      </p:grpSpPr>
+      <p:sp>
+        <p:nvSpPr>
+          <p:cNvPr id="2" name="Title 1">
+            <a:extLst>
+              <a:ext uri="{FF2B5EF4-FFF2-40B4-BE49-F238E27FC236}">
+                <a16:creationId xmlns:a16="http://schemas.microsoft.com/office/drawing/2014/main" id="{A26DF1FD-B8A9-4478-AA35-3449A8C9A665}"/>
+              </a:ext>
+            </a:extLst>
+          </p:cNvPr>
+          <p:cNvSpPr>
+            <a:spLocks noGrp="1"/>
+          </p:cNvSpPr>
+          <p:nvPr>
+            <p:ph type="title"/>
+          </p:nvPr>
+        </p:nvSpPr>
+        <p:spPr/>
+        <p:txBody>
+          <a:bodyPr/>
+          <a:lstStyle/>
+          <a:p>
+            <a:endParaRPr lang="en-US"/>
+          </a:p>
+        </p:txBody>
+      </p:sp>
+      <p:sp>
+        <p:nvSpPr>
+          <p:cNvPr id="5" name="Content Placeholder 4">
+            <a:extLst>
+              <a:ext uri="{FF2B5EF4-FFF2-40B4-BE49-F238E27FC236}">
+                <a16:creationId xmlns:a16="http://schemas.microsoft.com/office/drawing/2014/main" id="{066C7695-1594-47E9-B358-E73CD622F28E}"/>
+              </a:ext>
+            </a:extLst>
+          </p:cNvPr>
+          <p:cNvSpPr>
+            <a:spLocks noGrp="1"/>
+          </p:cNvSpPr>
+          <p:nvPr>
+            <p:ph idx="1"/>
+          </p:nvPr>
+        </p:nvSpPr>
+        <p:spPr/>
+        <p:txBody>
+          <a:bodyPr/>
+          <a:lstStyle/>
+          <a:p>
+            <a:endParaRPr lang="en-US"/>
+          </a:p>
+        </p:txBody>
+      </p:sp>
+      <p:pic>
+        <p:nvPicPr>
+          <p:cNvPr id="6" name="Picture 5">
+            <a:extLst>
+              <a:ext uri="{FF2B5EF4-FFF2-40B4-BE49-F238E27FC236}">
+                <a16:creationId xmlns:a16="http://schemas.microsoft.com/office/drawing/2014/main" id="{5333712C-6F2B-438C-9782-F58384BE342A}"/>
+              </a:ext>
+            </a:extLst>
+          </p:cNvPr>
+          <p:cNvPicPr>
+            <a:picLocks noChangeAspect="1"/>
+          </p:cNvPicPr>
+          <p:nvPr/>
+        </p:nvPicPr>
+        <p:blipFill>
+          <a:blip r:embed="rId2"/>
+          <a:stretch>
+            <a:fillRect/>
+          </a:stretch>
+        </p:blipFill>
+        <p:spPr>
+          <a:xfrm>
+            <a:off x="2130804" y="838200"/>
+            <a:ext cx="7444224" cy="5488463"/>
+          </a:xfrm>
+          <a:prstGeom prst="rect">
+            <a:avLst/>
+          </a:prstGeom>
+        </p:spPr>
+      </p:pic>
+    </p:spTree>
+    <p:extLst>
+      <p:ext uri="{BB962C8B-B14F-4D97-AF65-F5344CB8AC3E}">
+        <p14:creationId xmlns:p14="http://schemas.microsoft.com/office/powerpoint/2010/main" val="1032372176"/>
+      </p:ext>
+    </p:extLst>
+  </p:cSld>
+  <p:clrMapOvr>
+    <a:masterClrMapping/>
+  </p:clrMapOvr>
+</p:sld>
+</file>
+
+<file path=ppt/slides/slide6.xml><?xml version="1.0" encoding="utf-8"?>
+<p:sld xmlns:a="http://schemas.openxmlformats.org/drawingml/2006/main" xmlns:r="http://schemas.openxmlformats.org/officeDocument/2006/relationships" xmlns:p="http://schemas.openxmlformats.org/presentationml/2006/main">
+  <p:cSld>
     <p:bg>
       <p:bgPr>
         <a:solidFill>
@@ -20893,7 +20970,7 @@
 </p:sld>
 </file>
 
-<file path=ppt/slides/slide6.xml><?xml version="1.0" encoding="utf-8"?>
+<file path=ppt/slides/slide7.xml><?xml version="1.0" encoding="utf-8"?>
 <p:sld xmlns:a="http://schemas.openxmlformats.org/drawingml/2006/main" xmlns:r="http://schemas.openxmlformats.org/officeDocument/2006/relationships" xmlns:p="http://schemas.openxmlformats.org/presentationml/2006/main">
   <p:cSld>
     <p:spTree>
@@ -21003,7 +21080,7 @@
 </p:sld>
 </file>
 
-<file path=ppt/slides/slide7.xml><?xml version="1.0" encoding="utf-8"?>
+<file path=ppt/slides/slide8.xml><?xml version="1.0" encoding="utf-8"?>
 <p:sld xmlns:a="http://schemas.openxmlformats.org/drawingml/2006/main" xmlns:r="http://schemas.openxmlformats.org/officeDocument/2006/relationships" xmlns:p="http://schemas.openxmlformats.org/presentationml/2006/main">
   <p:cSld>
     <p:bg>
@@ -21041,7 +21118,7 @@
 </p:sld>
 </file>
 
-<file path=ppt/slides/slide8.xml><?xml version="1.0" encoding="utf-8"?>
+<file path=ppt/slides/slide9.xml><?xml version="1.0" encoding="utf-8"?>
 <p:sld xmlns:a="http://schemas.openxmlformats.org/drawingml/2006/main" xmlns:r="http://schemas.openxmlformats.org/officeDocument/2006/relationships" xmlns:p="http://schemas.openxmlformats.org/presentationml/2006/main">
   <p:cSld>
     <p:spTree>
@@ -21142,44 +21219,6 @@
     <p:extLst>
       <p:ext uri="{BB962C8B-B14F-4D97-AF65-F5344CB8AC3E}">
         <p14:creationId xmlns:p14="http://schemas.microsoft.com/office/powerpoint/2010/main" val="7673607"/>
-      </p:ext>
-    </p:extLst>
-  </p:cSld>
-  <p:clrMapOvr>
-    <a:masterClrMapping/>
-  </p:clrMapOvr>
-</p:sld>
-</file>
-
-<file path=ppt/slides/slide9.xml><?xml version="1.0" encoding="utf-8"?>
-<p:sld xmlns:a="http://schemas.openxmlformats.org/drawingml/2006/main" xmlns:r="http://schemas.openxmlformats.org/officeDocument/2006/relationships" xmlns:p="http://schemas.openxmlformats.org/presentationml/2006/main">
-  <p:cSld>
-    <p:bg>
-      <p:bgPr>
-        <a:solidFill>
-          <a:schemeClr val="tx1"/>
-        </a:solidFill>
-        <a:effectLst/>
-      </p:bgPr>
-    </p:bg>
-    <p:spTree>
-      <p:nvGrpSpPr>
-        <p:cNvPr id="1" name=""/>
-        <p:cNvGrpSpPr/>
-        <p:nvPr/>
-      </p:nvGrpSpPr>
-      <p:grpSpPr>
-        <a:xfrm>
-          <a:off x="0" y="0"/>
-          <a:ext cx="0" cy="0"/>
-          <a:chOff x="0" y="0"/>
-          <a:chExt cx="0" cy="0"/>
-        </a:xfrm>
-      </p:grpSpPr>
-    </p:spTree>
-    <p:extLst>
-      <p:ext uri="{BB962C8B-B14F-4D97-AF65-F5344CB8AC3E}">
-        <p14:creationId xmlns:p14="http://schemas.microsoft.com/office/powerpoint/2010/main" val="2069173302"/>
       </p:ext>
     </p:extLst>
   </p:cSld>
